--- a/Pptx/Test.pptx
+++ b/Pptx/Test.pptx
@@ -477,31 +477,49 @@
       </p:grpSpPr>
       <p:sp>
         <p:nvSpPr>
-          <p:cNvPr id="2" name="文本框 1"/>
-          <p:cNvSpPr txBox="1"/>
+          <p:cNvPr id="6" name="矩形 1"/>
+          <p:cNvSpPr/>
           <p:nvPr/>
         </p:nvSpPr>
         <p:spPr>
           <a:xfrm>
-            <a:off x="2363638" y="1302589"/>
-            <a:ext cx="4252822" cy="369332"/>
+            <a:off x="3640346" y="1595887"/>
+            <a:ext cx="3804249" cy="3071004"/>
           </a:xfrm>
           <a:prstGeom prst="rect">
             <a:avLst/>
           </a:prstGeom>
-          <a:noFill/>
+          <a:ln w="76200"/>
         </p:spPr>
+        <p:style>
+          <a:lnRef idx="2">
+            <a:schemeClr val="accent1">
+              <a:shade val="50000"/>
+            </a:schemeClr>
+          </a:lnRef>
+          <a:fillRef idx="1">
+            <a:schemeClr val="accent1"/>
+          </a:fillRef>
+          <a:effectRef idx="0">
+            <a:schemeClr val="accent1"/>
+          </a:effectRef>
+          <a:fontRef idx="minor">
+            <a:schemeClr val="lt1"/>
+          </a:fontRef>
+        </p:style>
         <p:txBody>
-          <a:bodyPr wrap="square" rtlCol="0">
-            <a:spAutoFit/>
-          </a:bodyPr>
+          <a:bodyPr rtlCol="0" anchor="ctr"/>
           <a:lstStyle/>
           <a:p>
-            <a:r>
-              <a:rPr lang="en-US" altLang="zh-CN" strike="sngStrike" dirty="0" smtClean="0"/>
-              <a:t>123123</a:t>
-            </a:r>
-            <a:endParaRPr lang="zh-CN" altLang="en-US" strike="sngStrike" dirty="0"/>
+            <a:pPr algn="ctr"/>
+            <a:endParaRPr lang="zh-CN" altLang="en-US">
+              <a:ln>
+                <a:solidFill>
+                  <a:schemeClr val="tx1"/>
+                </a:solidFill>
+                <a:prstDash val="solid"/>
+              </a:ln>
+            </a:endParaRPr>
           </a:p>
         </p:txBody>
       </p:sp>

--- a/Pptx/Test.pptx
+++ b/Pptx/Test.pptx
@@ -493,9 +493,7 @@
         </p:spPr>
         <p:style>
           <a:lnRef idx="2">
-            <a:schemeClr val="accent1">
-              <a:shade val="50000"/>
-            </a:schemeClr>
+            <a:schemeClr val="accent1"/>
           </a:lnRef>
           <a:fillRef idx="1">
             <a:schemeClr val="accent1"/>
@@ -717,7 +715,7 @@
         </a:ln>
         <a:ln w="12700" cap="flat" cmpd="sng" algn="ctr">
           <a:solidFill>
-            <a:schemeClr val="phClr"/>
+            <a:srgbClr val="999999"/>
           </a:solidFill>
           <a:prstDash val="solid"/>
           <a:miter lim="800000"/>

--- a/Pptx/Test.pptx
+++ b/Pptx/Test.pptx
@@ -475,52 +475,112 @@
           <a:chExt cx="0" cy="0"/>
         </a:xfrm>
       </p:grpSpPr>
-      <p:sp>
-        <p:nvSpPr>
-          <p:cNvPr id="6" name="矩形 1"/>
-          <p:cNvSpPr/>
-          <p:nvPr/>
-        </p:nvSpPr>
-        <p:spPr>
-          <a:xfrm>
-            <a:off x="3640346" y="1595887"/>
-            <a:ext cx="3804249" cy="3071004"/>
-          </a:xfrm>
-          <a:prstGeom prst="rect">
-            <a:avLst/>
-          </a:prstGeom>
-          <a:ln w="76200"/>
-        </p:spPr>
-        <p:style>
-          <a:lnRef idx="2">
-            <a:schemeClr val="accent1"/>
-          </a:lnRef>
-          <a:fillRef idx="1">
-            <a:schemeClr val="accent1"/>
-          </a:fillRef>
-          <a:effectRef idx="0">
-            <a:schemeClr val="accent1"/>
-          </a:effectRef>
-          <a:fontRef idx="minor">
-            <a:schemeClr val="lt1"/>
-          </a:fontRef>
-        </p:style>
-        <p:txBody>
-          <a:bodyPr rtlCol="0" anchor="ctr"/>
-          <a:lstStyle/>
-          <a:p>
-            <a:pPr algn="ctr"/>
-            <a:endParaRPr lang="zh-CN" altLang="en-US">
-              <a:ln>
-                <a:solidFill>
-                  <a:schemeClr val="tx1"/>
-                </a:solidFill>
-                <a:prstDash val="solid"/>
-              </a:ln>
-            </a:endParaRPr>
-          </a:p>
-        </p:txBody>
-      </p:sp>
+      <p:graphicFrame>
+        <p:nvGraphicFramePr>
+          <p:cNvPr id="4" name="表格 3"/>
+          <p:cNvGraphicFramePr>
+            <a:graphicFrameLocks noGrp="1"/>
+          </p:cNvGraphicFramePr>
+          <p:nvPr>
+            <p:extLst>
+              <p:ext uri="{D42A27DB-BD31-4B8C-83A1-F6EECF244321}">
+                <p14:modId xmlns:p14="http://schemas.microsoft.com/office/powerpoint/2010/main" val="2668430448"/>
+              </p:ext>
+            </p:extLst>
+          </p:nvPr>
+        </p:nvGraphicFramePr>
+        <p:xfrm>
+          <a:off x="1328651" y="927850"/>
+          <a:ext cx="8128000" cy="741680"/>
+        </p:xfrm>
+        <a:graphic>
+          <a:graphicData uri="http://schemas.openxmlformats.org/drawingml/2006/table">
+            <a:tbl>
+              <a:tblPr firstRow="1" bandRow="1">
+                <a:tableStyleId>{5C22544A-7EE6-4342-B048-85BDC9FD1C3A}</a:tableStyleId>
+              </a:tblPr>
+              <a:tblGrid>
+                <a:gridCol w="4064000">
+                  <a:extLst>
+                    <a:ext uri="{9D8B030D-6E8A-4147-A177-3AD203B41FA5}">
+                      <a16:colId xmlns:a16="http://schemas.microsoft.com/office/drawing/2014/main" val="1394598003"/>
+                    </a:ext>
+                  </a:extLst>
+                </a:gridCol>
+                <a:gridCol w="4064000">
+                  <a:extLst>
+                    <a:ext uri="{9D8B030D-6E8A-4147-A177-3AD203B41FA5}">
+                      <a16:colId xmlns:a16="http://schemas.microsoft.com/office/drawing/2014/main" val="3643799610"/>
+                    </a:ext>
+                  </a:extLst>
+                </a:gridCol>
+              </a:tblGrid>
+              <a:tr h="370840">
+                <a:tc rowSpan="10">
+                  <a:txBody>
+                    <a:bodyPr/>
+                    <a:lstStyle/>
+                    <a:p>
+                      <a:r>
+                        <a:rPr lang="en-US" altLang="zh-CN" dirty="0" smtClean="0"/>
+                        <a:t>123123</a:t>
+                      </a:r>
+                      <a:endParaRPr lang="zh-CN" altLang="en-US" dirty="0"/>
+                    </a:p>
+                  </a:txBody>
+                  <a:tcPr/>
+                </a:tc>
+                <a:tc>
+                  <a:txBody>
+                    <a:bodyPr/>
+                    <a:lstStyle/>
+                    <a:p>
+                      <a:endParaRPr lang="zh-CN" altLang="en-US" dirty="0"/>
+                    </a:p>
+                  </a:txBody>
+                  <a:tcPr/>
+                </a:tc>
+                <a:extLst>
+                  <a:ext uri="{0D108BD9-81ED-4DB2-BD59-A6C34878D82A}">
+                    <a16:rowId xmlns:a16="http://schemas.microsoft.com/office/drawing/2014/main" val="3287805416"/>
+                  </a:ext>
+                </a:extLst>
+              </a:tr>
+              <a:tr h="370840">
+                <a:tc vMerge="1">
+                  <a:txBody>
+                    <a:bodyPr/>
+                    <a:lstStyle/>
+                    <a:p>
+                      <a:r>
+                        <a:rPr lang="en-US" altLang="zh-CN" smtClean="0"/>
+                        <a:t>投毒</a:t>
+                      </a:r>
+                      <a:endParaRPr lang="zh-CN" altLang="en-US"/>
+                    </a:p>
+                  </a:txBody>
+                  <a:tcPr/>
+                </a:tc>
+                <a:tc>
+                  <a:txBody>
+                    <a:bodyPr/>
+                    <a:lstStyle/>
+                    <a:p>
+                      <a:endParaRPr lang="zh-CN" altLang="en-US" dirty="0"/>
+                    </a:p>
+                  </a:txBody>
+                  <a:tcPr/>
+                </a:tc>
+                <a:extLst>
+                  <a:ext uri="{0D108BD9-81ED-4DB2-BD59-A6C34878D82A}">
+                    <a16:rowId xmlns:a16="http://schemas.microsoft.com/office/drawing/2014/main" val="3924701140"/>
+                  </a:ext>
+                </a:extLst>
+              </a:tr>
+            </a:tbl>
+          </a:graphicData>
+        </a:graphic>
+      </p:graphicFrame>
     </p:spTree>
     <p:extLst>
       <p:ext uri="{BB962C8B-B14F-4D97-AF65-F5344CB8AC3E}">
@@ -715,7 +775,7 @@
         </a:ln>
         <a:ln w="12700" cap="flat" cmpd="sng" algn="ctr">
           <a:solidFill>
-            <a:srgbClr val="999999"/>
+            <a:schemeClr val="phClr"/>
           </a:solidFill>
           <a:prstDash val="solid"/>
           <a:miter lim="800000"/>

--- a/Pptx/Test.pptx
+++ b/Pptx/Test.pptx
@@ -477,107 +477,58 @@
       </p:grpSpPr>
       <p:graphicFrame>
         <p:nvGraphicFramePr>
-          <p:cNvPr id="4" name="表格 3"/>
+          <p:cNvPr id="9" name="对象 8"/>
           <p:cNvGraphicFramePr>
-            <a:graphicFrameLocks noGrp="1"/>
+            <a:graphicFrameLocks noChangeAspect="1"/>
           </p:cNvGraphicFramePr>
           <p:nvPr>
             <p:extLst>
               <p:ext uri="{D42A27DB-BD31-4B8C-83A1-F6EECF244321}">
-                <p14:modId xmlns:p14="http://schemas.microsoft.com/office/powerpoint/2010/main" val="2668430448"/>
+                <p14:modId xmlns:p14="http://schemas.microsoft.com/office/powerpoint/2010/main" val="3246316576"/>
               </p:ext>
             </p:extLst>
           </p:nvPr>
         </p:nvGraphicFramePr>
         <p:xfrm>
-          <a:off x="1328651" y="927850"/>
-          <a:ext cx="8128000" cy="741680"/>
+          <a:off x="5405438" y="3241675"/>
+          <a:ext cx="3438525" cy="2009775"/>
         </p:xfrm>
         <a:graphic>
-          <a:graphicData uri="http://schemas.openxmlformats.org/drawingml/2006/table">
-            <a:tbl>
-              <a:tblPr firstRow="1" bandRow="1">
-                <a:tableStyleId>{5C22544A-7EE6-4342-B048-85BDC9FD1C3A}</a:tableStyleId>
-              </a:tblPr>
-              <a:tblGrid>
-                <a:gridCol w="4064000">
-                  <a:extLst>
-                    <a:ext uri="{9D8B030D-6E8A-4147-A177-3AD203B41FA5}">
-                      <a16:colId xmlns:a16="http://schemas.microsoft.com/office/drawing/2014/main" val="1394598003"/>
-                    </a:ext>
-                  </a:extLst>
-                </a:gridCol>
-                <a:gridCol w="4064000">
-                  <a:extLst>
-                    <a:ext uri="{9D8B030D-6E8A-4147-A177-3AD203B41FA5}">
-                      <a16:colId xmlns:a16="http://schemas.microsoft.com/office/drawing/2014/main" val="3643799610"/>
-                    </a:ext>
-                  </a:extLst>
-                </a:gridCol>
-              </a:tblGrid>
-              <a:tr h="370840">
-                <a:tc rowSpan="10">
-                  <a:txBody>
-                    <a:bodyPr/>
-                    <a:lstStyle/>
-                    <a:p>
-                      <a:r>
-                        <a:rPr lang="en-US" altLang="zh-CN" dirty="0" smtClean="0"/>
-                        <a:t>123123</a:t>
-                      </a:r>
-                      <a:endParaRPr lang="zh-CN" altLang="en-US" dirty="0"/>
-                    </a:p>
-                  </a:txBody>
-                  <a:tcPr/>
-                </a:tc>
-                <a:tc>
-                  <a:txBody>
-                    <a:bodyPr/>
-                    <a:lstStyle/>
-                    <a:p>
-                      <a:endParaRPr lang="zh-CN" altLang="en-US" dirty="0"/>
-                    </a:p>
-                  </a:txBody>
-                  <a:tcPr/>
-                </a:tc>
-                <a:extLst>
-                  <a:ext uri="{0D108BD9-81ED-4DB2-BD59-A6C34878D82A}">
-                    <a16:rowId xmlns:a16="http://schemas.microsoft.com/office/drawing/2014/main" val="3287805416"/>
-                  </a:ext>
-                </a:extLst>
-              </a:tr>
-              <a:tr h="370840">
-                <a:tc vMerge="1">
-                  <a:txBody>
-                    <a:bodyPr/>
-                    <a:lstStyle/>
-                    <a:p>
-                      <a:r>
-                        <a:rPr lang="en-US" altLang="zh-CN" smtClean="0"/>
-                        <a:t>投毒</a:t>
-                      </a:r>
-                      <a:endParaRPr lang="zh-CN" altLang="en-US"/>
-                    </a:p>
-                  </a:txBody>
-                  <a:tcPr/>
-                </a:tc>
-                <a:tc>
-                  <a:txBody>
-                    <a:bodyPr/>
-                    <a:lstStyle/>
-                    <a:p>
-                      <a:endParaRPr lang="zh-CN" altLang="en-US" dirty="0"/>
-                    </a:p>
-                  </a:txBody>
-                  <a:tcPr/>
-                </a:tc>
-                <a:extLst>
-                  <a:ext uri="{0D108BD9-81ED-4DB2-BD59-A6C34878D82A}">
-                    <a16:rowId xmlns:a16="http://schemas.microsoft.com/office/drawing/2014/main" val="3924701140"/>
-                  </a:ext>
-                </a:extLst>
-              </a:tr>
-            </a:tbl>
+          <a:graphicData uri="http://schemas.openxmlformats.org/presentationml/2006/ole">
+            <mc:AlternateContent xmlns:mc="http://schemas.openxmlformats.org/markup-compatibility/2006">
+              <mc:Choice xmlns:v="urn:schemas-microsoft-com:vml" Requires="v">
+                <p:oleObj spid="_x0000_s1026" name="工作表" r:id="rId3" imgW="3438630" imgH="2009788" progId="Excel.Sheet.12">
+                  <p:embed/>
+                </p:oleObj>
+              </mc:Choice>
+              <mc:Fallback>
+                <p:oleObj name="工作表" r:id="rId3" imgW="3438630" imgH="2009788" progId="Excel.Sheet.12">
+                  <p:embed/>
+                  <p:pic>
+                    <p:nvPicPr>
+                      <p:cNvPr id="0" name=""/>
+                      <p:cNvPicPr/>
+                      <p:nvPr/>
+                    </p:nvPicPr>
+                    <p:blipFill>
+                      <a:blip r:embed="rId4"/>
+                      <a:stretch>
+                        <a:fillRect/>
+                      </a:stretch>
+                    </p:blipFill>
+                    <p:spPr>
+                      <a:xfrm>
+                        <a:off x="5405438" y="3241675"/>
+                        <a:ext cx="3438525" cy="2009775"/>
+                      </a:xfrm>
+                      <a:prstGeom prst="rect">
+                        <a:avLst/>
+                      </a:prstGeom>
+                    </p:spPr>
+                  </p:pic>
+                </p:oleObj>
+              </mc:Fallback>
+            </mc:AlternateContent>
           </a:graphicData>
         </a:graphic>
       </p:graphicFrame>

--- a/Pptx/Test.pptx
+++ b/Pptx/Test.pptx
@@ -104,16 +104,11 @@
       </a:defRPr>
     </a:lvl9pPr>
   </p:defaultTextStyle>
-  <p:extLst>
-    <p:ext uri="{EFAFB233-063F-42B5-8137-9DF3F51BA10A}">
-      <p15:sldGuideLst xmlns:p15="http://schemas.microsoft.com/office/powerpoint/2012/main"/>
-    </p:ext>
-  </p:extLst>
 </p:presentation>
 </file>
 
 <file path=ppt/slideLayouts/slideLayout1.xml><?xml version="1.0" encoding="utf-8"?>
-<p:sldLayout xmlns:a="http://schemas.openxmlformats.org/drawingml/2006/main" xmlns:r="http://schemas.openxmlformats.org/officeDocument/2006/relationships" xmlns:p="http://schemas.openxmlformats.org/presentationml/2006/main" preserve="1" userDrawn="1">
+<p:sldLayout xmlns:a="http://schemas.openxmlformats.org/drawingml/2006/main" xmlns:r="http://schemas.openxmlformats.org/officeDocument/2006/relationships" xmlns:p="http://schemas.openxmlformats.org/presentationml/2006/main" type="title" preserve="1">
   <p:cSld name="标题幻灯片">
     <p:spTree>
       <p:nvGrpSpPr>
@@ -129,10 +124,2609 @@
           <a:chExt cx="0" cy="0"/>
         </a:xfrm>
       </p:grpSpPr>
+      <p:sp>
+        <p:nvSpPr>
+          <p:cNvPr id="2" name="标题 1">
+            <a:extLst>
+              <a:ext uri="{FF2B5EF4-FFF2-40B4-BE49-F238E27FC236}">
+                <a16:creationId xmlns:a16="http://schemas.microsoft.com/office/drawing/2014/main" id="{CEE07D2A-C227-4329-B623-E744CF52E1C9}"/>
+              </a:ext>
+            </a:extLst>
+          </p:cNvPr>
+          <p:cNvSpPr>
+            <a:spLocks noGrp="1"/>
+          </p:cNvSpPr>
+          <p:nvPr>
+            <p:ph type="ctrTitle"/>
+          </p:nvPr>
+        </p:nvSpPr>
+        <p:spPr>
+          <a:xfrm>
+            <a:off x="1524000" y="1122363"/>
+            <a:ext cx="9144000" cy="2387600"/>
+          </a:xfrm>
+        </p:spPr>
+        <p:txBody>
+          <a:bodyPr anchor="b"/>
+          <a:lstStyle>
+            <a:lvl1pPr algn="ctr">
+              <a:defRPr sz="6000"/>
+            </a:lvl1pPr>
+          </a:lstStyle>
+          <a:p>
+            <a:r>
+              <a:rPr lang="zh-CN" altLang="en-US"/>
+              <a:t>单击此处编辑母版标题样式</a:t>
+            </a:r>
+          </a:p>
+        </p:txBody>
+      </p:sp>
+      <p:sp>
+        <p:nvSpPr>
+          <p:cNvPr id="3" name="副标题 2">
+            <a:extLst>
+              <a:ext uri="{FF2B5EF4-FFF2-40B4-BE49-F238E27FC236}">
+                <a16:creationId xmlns:a16="http://schemas.microsoft.com/office/drawing/2014/main" id="{2A1275CF-76B9-4681-9F87-83C67A5B108D}"/>
+              </a:ext>
+            </a:extLst>
+          </p:cNvPr>
+          <p:cNvSpPr>
+            <a:spLocks noGrp="1"/>
+          </p:cNvSpPr>
+          <p:nvPr>
+            <p:ph type="subTitle" idx="1"/>
+          </p:nvPr>
+        </p:nvSpPr>
+        <p:spPr>
+          <a:xfrm>
+            <a:off x="1524000" y="3602038"/>
+            <a:ext cx="9144000" cy="1655762"/>
+          </a:xfrm>
+        </p:spPr>
+        <p:txBody>
+          <a:bodyPr/>
+          <a:lstStyle>
+            <a:lvl1pPr marL="0" indent="0" algn="ctr">
+              <a:buNone/>
+              <a:defRPr sz="2400"/>
+            </a:lvl1pPr>
+            <a:lvl2pPr marL="457200" indent="0" algn="ctr">
+              <a:buNone/>
+              <a:defRPr sz="2000"/>
+            </a:lvl2pPr>
+            <a:lvl3pPr marL="914400" indent="0" algn="ctr">
+              <a:buNone/>
+              <a:defRPr sz="1800"/>
+            </a:lvl3pPr>
+            <a:lvl4pPr marL="1371600" indent="0" algn="ctr">
+              <a:buNone/>
+              <a:defRPr sz="1600"/>
+            </a:lvl4pPr>
+            <a:lvl5pPr marL="1828800" indent="0" algn="ctr">
+              <a:buNone/>
+              <a:defRPr sz="1600"/>
+            </a:lvl5pPr>
+            <a:lvl6pPr marL="2286000" indent="0" algn="ctr">
+              <a:buNone/>
+              <a:defRPr sz="1600"/>
+            </a:lvl6pPr>
+            <a:lvl7pPr marL="2743200" indent="0" algn="ctr">
+              <a:buNone/>
+              <a:defRPr sz="1600"/>
+            </a:lvl7pPr>
+            <a:lvl8pPr marL="3200400" indent="0" algn="ctr">
+              <a:buNone/>
+              <a:defRPr sz="1600"/>
+            </a:lvl8pPr>
+            <a:lvl9pPr marL="3657600" indent="0" algn="ctr">
+              <a:buNone/>
+              <a:defRPr sz="1600"/>
+            </a:lvl9pPr>
+          </a:lstStyle>
+          <a:p>
+            <a:r>
+              <a:rPr lang="zh-CN" altLang="en-US"/>
+              <a:t>单击此处编辑母版副标题样式</a:t>
+            </a:r>
+          </a:p>
+        </p:txBody>
+      </p:sp>
+      <p:sp>
+        <p:nvSpPr>
+          <p:cNvPr id="4" name="日期占位符 3">
+            <a:extLst>
+              <a:ext uri="{FF2B5EF4-FFF2-40B4-BE49-F238E27FC236}">
+                <a16:creationId xmlns:a16="http://schemas.microsoft.com/office/drawing/2014/main" id="{2C037B11-5B17-49EE-8268-7702B5B4F2EF}"/>
+              </a:ext>
+            </a:extLst>
+          </p:cNvPr>
+          <p:cNvSpPr>
+            <a:spLocks noGrp="1"/>
+          </p:cNvSpPr>
+          <p:nvPr>
+            <p:ph type="dt" sz="half" idx="10"/>
+          </p:nvPr>
+        </p:nvSpPr>
+        <p:spPr/>
+        <p:txBody>
+          <a:bodyPr/>
+          <a:lstStyle/>
+          <a:p>
+            <a:fld id="{2D4EDF76-AFDA-4902-A8BF-E9111F2E6135}" type="datetimeFigureOut">
+              <a:rPr lang="zh-CN" altLang="en-US" smtClean="0"/>
+              <a:t>2021/8/6</a:t>
+            </a:fld>
+            <a:endParaRPr lang="zh-CN" altLang="en-US"/>
+          </a:p>
+        </p:txBody>
+      </p:sp>
+      <p:sp>
+        <p:nvSpPr>
+          <p:cNvPr id="5" name="页脚占位符 4">
+            <a:extLst>
+              <a:ext uri="{FF2B5EF4-FFF2-40B4-BE49-F238E27FC236}">
+                <a16:creationId xmlns:a16="http://schemas.microsoft.com/office/drawing/2014/main" id="{89CE13D5-752C-4028-94F2-C865012A05ED}"/>
+              </a:ext>
+            </a:extLst>
+          </p:cNvPr>
+          <p:cNvSpPr>
+            <a:spLocks noGrp="1"/>
+          </p:cNvSpPr>
+          <p:nvPr>
+            <p:ph type="ftr" sz="quarter" idx="11"/>
+          </p:nvPr>
+        </p:nvSpPr>
+        <p:spPr/>
+        <p:txBody>
+          <a:bodyPr/>
+          <a:lstStyle/>
+          <a:p>
+            <a:endParaRPr lang="zh-CN" altLang="en-US"/>
+          </a:p>
+        </p:txBody>
+      </p:sp>
+      <p:sp>
+        <p:nvSpPr>
+          <p:cNvPr id="6" name="灯片编号占位符 5">
+            <a:extLst>
+              <a:ext uri="{FF2B5EF4-FFF2-40B4-BE49-F238E27FC236}">
+                <a16:creationId xmlns:a16="http://schemas.microsoft.com/office/drawing/2014/main" id="{81697A59-4B68-4211-9D08-34C14E47D442}"/>
+              </a:ext>
+            </a:extLst>
+          </p:cNvPr>
+          <p:cNvSpPr>
+            <a:spLocks noGrp="1"/>
+          </p:cNvSpPr>
+          <p:nvPr>
+            <p:ph type="sldNum" sz="quarter" idx="12"/>
+          </p:nvPr>
+        </p:nvSpPr>
+        <p:spPr/>
+        <p:txBody>
+          <a:bodyPr/>
+          <a:lstStyle/>
+          <a:p>
+            <a:fld id="{FD3A8BAC-E227-4A3E-A138-C06560006370}" type="slidenum">
+              <a:rPr lang="zh-CN" altLang="en-US" smtClean="0"/>
+              <a:t>‹#›</a:t>
+            </a:fld>
+            <a:endParaRPr lang="zh-CN" altLang="en-US"/>
+          </a:p>
+        </p:txBody>
+      </p:sp>
     </p:spTree>
     <p:extLst>
       <p:ext uri="{BB962C8B-B14F-4D97-AF65-F5344CB8AC3E}">
-        <p14:creationId xmlns:p14="http://schemas.microsoft.com/office/powerpoint/2010/main" val="2723191420"/>
+        <p14:creationId xmlns:p14="http://schemas.microsoft.com/office/powerpoint/2010/main" val="4226782135"/>
+      </p:ext>
+    </p:extLst>
+  </p:cSld>
+  <p:clrMapOvr>
+    <a:masterClrMapping/>
+  </p:clrMapOvr>
+</p:sldLayout>
+</file>
+
+<file path=ppt/slideLayouts/slideLayout10.xml><?xml version="1.0" encoding="utf-8"?>
+<p:sldLayout xmlns:a="http://schemas.openxmlformats.org/drawingml/2006/main" xmlns:r="http://schemas.openxmlformats.org/officeDocument/2006/relationships" xmlns:p="http://schemas.openxmlformats.org/presentationml/2006/main" type="vertTx" preserve="1">
+  <p:cSld name="标题和竖排文字">
+    <p:spTree>
+      <p:nvGrpSpPr>
+        <p:cNvPr id="1" name=""/>
+        <p:cNvGrpSpPr/>
+        <p:nvPr/>
+      </p:nvGrpSpPr>
+      <p:grpSpPr>
+        <a:xfrm>
+          <a:off x="0" y="0"/>
+          <a:ext cx="0" cy="0"/>
+          <a:chOff x="0" y="0"/>
+          <a:chExt cx="0" cy="0"/>
+        </a:xfrm>
+      </p:grpSpPr>
+      <p:sp>
+        <p:nvSpPr>
+          <p:cNvPr id="2" name="标题 1">
+            <a:extLst>
+              <a:ext uri="{FF2B5EF4-FFF2-40B4-BE49-F238E27FC236}">
+                <a16:creationId xmlns:a16="http://schemas.microsoft.com/office/drawing/2014/main" id="{4F55E034-4ECF-4B59-BBE3-4A53C7BA0661}"/>
+              </a:ext>
+            </a:extLst>
+          </p:cNvPr>
+          <p:cNvSpPr>
+            <a:spLocks noGrp="1"/>
+          </p:cNvSpPr>
+          <p:nvPr>
+            <p:ph type="title"/>
+          </p:nvPr>
+        </p:nvSpPr>
+        <p:spPr/>
+        <p:txBody>
+          <a:bodyPr/>
+          <a:lstStyle/>
+          <a:p>
+            <a:r>
+              <a:rPr lang="zh-CN" altLang="en-US"/>
+              <a:t>单击此处编辑母版标题样式</a:t>
+            </a:r>
+          </a:p>
+        </p:txBody>
+      </p:sp>
+      <p:sp>
+        <p:nvSpPr>
+          <p:cNvPr id="3" name="竖排文字占位符 2">
+            <a:extLst>
+              <a:ext uri="{FF2B5EF4-FFF2-40B4-BE49-F238E27FC236}">
+                <a16:creationId xmlns:a16="http://schemas.microsoft.com/office/drawing/2014/main" id="{8A96595E-6B4C-4F5E-AB2C-B01CA88A7496}"/>
+              </a:ext>
+            </a:extLst>
+          </p:cNvPr>
+          <p:cNvSpPr>
+            <a:spLocks noGrp="1"/>
+          </p:cNvSpPr>
+          <p:nvPr>
+            <p:ph type="body" orient="vert" idx="1"/>
+          </p:nvPr>
+        </p:nvSpPr>
+        <p:spPr/>
+        <p:txBody>
+          <a:bodyPr vert="eaVert"/>
+          <a:lstStyle/>
+          <a:p>
+            <a:pPr lvl="0"/>
+            <a:r>
+              <a:rPr lang="zh-CN" altLang="en-US"/>
+              <a:t>单击此处编辑母版文本样式</a:t>
+            </a:r>
+          </a:p>
+          <a:p>
+            <a:pPr lvl="1"/>
+            <a:r>
+              <a:rPr lang="zh-CN" altLang="en-US"/>
+              <a:t>二级</a:t>
+            </a:r>
+          </a:p>
+          <a:p>
+            <a:pPr lvl="2"/>
+            <a:r>
+              <a:rPr lang="zh-CN" altLang="en-US"/>
+              <a:t>三级</a:t>
+            </a:r>
+          </a:p>
+          <a:p>
+            <a:pPr lvl="3"/>
+            <a:r>
+              <a:rPr lang="zh-CN" altLang="en-US"/>
+              <a:t>四级</a:t>
+            </a:r>
+          </a:p>
+          <a:p>
+            <a:pPr lvl="4"/>
+            <a:r>
+              <a:rPr lang="zh-CN" altLang="en-US"/>
+              <a:t>五级</a:t>
+            </a:r>
+          </a:p>
+        </p:txBody>
+      </p:sp>
+      <p:sp>
+        <p:nvSpPr>
+          <p:cNvPr id="4" name="日期占位符 3">
+            <a:extLst>
+              <a:ext uri="{FF2B5EF4-FFF2-40B4-BE49-F238E27FC236}">
+                <a16:creationId xmlns:a16="http://schemas.microsoft.com/office/drawing/2014/main" id="{955D4DBC-7E63-4A64-8272-D856F7098437}"/>
+              </a:ext>
+            </a:extLst>
+          </p:cNvPr>
+          <p:cNvSpPr>
+            <a:spLocks noGrp="1"/>
+          </p:cNvSpPr>
+          <p:nvPr>
+            <p:ph type="dt" sz="half" idx="10"/>
+          </p:nvPr>
+        </p:nvSpPr>
+        <p:spPr/>
+        <p:txBody>
+          <a:bodyPr/>
+          <a:lstStyle/>
+          <a:p>
+            <a:fld id="{2D4EDF76-AFDA-4902-A8BF-E9111F2E6135}" type="datetimeFigureOut">
+              <a:rPr lang="zh-CN" altLang="en-US" smtClean="0"/>
+              <a:t>2021/8/6</a:t>
+            </a:fld>
+            <a:endParaRPr lang="zh-CN" altLang="en-US"/>
+          </a:p>
+        </p:txBody>
+      </p:sp>
+      <p:sp>
+        <p:nvSpPr>
+          <p:cNvPr id="5" name="页脚占位符 4">
+            <a:extLst>
+              <a:ext uri="{FF2B5EF4-FFF2-40B4-BE49-F238E27FC236}">
+                <a16:creationId xmlns:a16="http://schemas.microsoft.com/office/drawing/2014/main" id="{9BD1B4DF-0A88-40D4-9C40-699520E44870}"/>
+              </a:ext>
+            </a:extLst>
+          </p:cNvPr>
+          <p:cNvSpPr>
+            <a:spLocks noGrp="1"/>
+          </p:cNvSpPr>
+          <p:nvPr>
+            <p:ph type="ftr" sz="quarter" idx="11"/>
+          </p:nvPr>
+        </p:nvSpPr>
+        <p:spPr/>
+        <p:txBody>
+          <a:bodyPr/>
+          <a:lstStyle/>
+          <a:p>
+            <a:endParaRPr lang="zh-CN" altLang="en-US"/>
+          </a:p>
+        </p:txBody>
+      </p:sp>
+      <p:sp>
+        <p:nvSpPr>
+          <p:cNvPr id="6" name="灯片编号占位符 5">
+            <a:extLst>
+              <a:ext uri="{FF2B5EF4-FFF2-40B4-BE49-F238E27FC236}">
+                <a16:creationId xmlns:a16="http://schemas.microsoft.com/office/drawing/2014/main" id="{FEFEA79A-2455-412F-85A0-B4BA059F0620}"/>
+              </a:ext>
+            </a:extLst>
+          </p:cNvPr>
+          <p:cNvSpPr>
+            <a:spLocks noGrp="1"/>
+          </p:cNvSpPr>
+          <p:nvPr>
+            <p:ph type="sldNum" sz="quarter" idx="12"/>
+          </p:nvPr>
+        </p:nvSpPr>
+        <p:spPr/>
+        <p:txBody>
+          <a:bodyPr/>
+          <a:lstStyle/>
+          <a:p>
+            <a:fld id="{FD3A8BAC-E227-4A3E-A138-C06560006370}" type="slidenum">
+              <a:rPr lang="zh-CN" altLang="en-US" smtClean="0"/>
+              <a:t>‹#›</a:t>
+            </a:fld>
+            <a:endParaRPr lang="zh-CN" altLang="en-US"/>
+          </a:p>
+        </p:txBody>
+      </p:sp>
+    </p:spTree>
+    <p:extLst>
+      <p:ext uri="{BB962C8B-B14F-4D97-AF65-F5344CB8AC3E}">
+        <p14:creationId xmlns:p14="http://schemas.microsoft.com/office/powerpoint/2010/main" val="2216437875"/>
+      </p:ext>
+    </p:extLst>
+  </p:cSld>
+  <p:clrMapOvr>
+    <a:masterClrMapping/>
+  </p:clrMapOvr>
+</p:sldLayout>
+</file>
+
+<file path=ppt/slideLayouts/slideLayout11.xml><?xml version="1.0" encoding="utf-8"?>
+<p:sldLayout xmlns:a="http://schemas.openxmlformats.org/drawingml/2006/main" xmlns:r="http://schemas.openxmlformats.org/officeDocument/2006/relationships" xmlns:p="http://schemas.openxmlformats.org/presentationml/2006/main" type="vertTitleAndTx" preserve="1">
+  <p:cSld name="竖排标题与文本">
+    <p:spTree>
+      <p:nvGrpSpPr>
+        <p:cNvPr id="1" name=""/>
+        <p:cNvGrpSpPr/>
+        <p:nvPr/>
+      </p:nvGrpSpPr>
+      <p:grpSpPr>
+        <a:xfrm>
+          <a:off x="0" y="0"/>
+          <a:ext cx="0" cy="0"/>
+          <a:chOff x="0" y="0"/>
+          <a:chExt cx="0" cy="0"/>
+        </a:xfrm>
+      </p:grpSpPr>
+      <p:sp>
+        <p:nvSpPr>
+          <p:cNvPr id="2" name="竖排标题 1">
+            <a:extLst>
+              <a:ext uri="{FF2B5EF4-FFF2-40B4-BE49-F238E27FC236}">
+                <a16:creationId xmlns:a16="http://schemas.microsoft.com/office/drawing/2014/main" id="{F9980F7A-D016-4C42-89F6-AE1035F9A3A9}"/>
+              </a:ext>
+            </a:extLst>
+          </p:cNvPr>
+          <p:cNvSpPr>
+            <a:spLocks noGrp="1"/>
+          </p:cNvSpPr>
+          <p:nvPr>
+            <p:ph type="title" orient="vert"/>
+          </p:nvPr>
+        </p:nvSpPr>
+        <p:spPr>
+          <a:xfrm>
+            <a:off x="8724900" y="365125"/>
+            <a:ext cx="2628900" cy="5811838"/>
+          </a:xfrm>
+        </p:spPr>
+        <p:txBody>
+          <a:bodyPr vert="eaVert"/>
+          <a:lstStyle/>
+          <a:p>
+            <a:r>
+              <a:rPr lang="zh-CN" altLang="en-US"/>
+              <a:t>单击此处编辑母版标题样式</a:t>
+            </a:r>
+          </a:p>
+        </p:txBody>
+      </p:sp>
+      <p:sp>
+        <p:nvSpPr>
+          <p:cNvPr id="3" name="竖排文字占位符 2">
+            <a:extLst>
+              <a:ext uri="{FF2B5EF4-FFF2-40B4-BE49-F238E27FC236}">
+                <a16:creationId xmlns:a16="http://schemas.microsoft.com/office/drawing/2014/main" id="{705F066D-EF68-40E8-921B-2F878DF4E917}"/>
+              </a:ext>
+            </a:extLst>
+          </p:cNvPr>
+          <p:cNvSpPr>
+            <a:spLocks noGrp="1"/>
+          </p:cNvSpPr>
+          <p:nvPr>
+            <p:ph type="body" orient="vert" idx="1"/>
+          </p:nvPr>
+        </p:nvSpPr>
+        <p:spPr>
+          <a:xfrm>
+            <a:off x="838200" y="365125"/>
+            <a:ext cx="7734300" cy="5811838"/>
+          </a:xfrm>
+        </p:spPr>
+        <p:txBody>
+          <a:bodyPr vert="eaVert"/>
+          <a:lstStyle/>
+          <a:p>
+            <a:pPr lvl="0"/>
+            <a:r>
+              <a:rPr lang="zh-CN" altLang="en-US"/>
+              <a:t>单击此处编辑母版文本样式</a:t>
+            </a:r>
+          </a:p>
+          <a:p>
+            <a:pPr lvl="1"/>
+            <a:r>
+              <a:rPr lang="zh-CN" altLang="en-US"/>
+              <a:t>二级</a:t>
+            </a:r>
+          </a:p>
+          <a:p>
+            <a:pPr lvl="2"/>
+            <a:r>
+              <a:rPr lang="zh-CN" altLang="en-US"/>
+              <a:t>三级</a:t>
+            </a:r>
+          </a:p>
+          <a:p>
+            <a:pPr lvl="3"/>
+            <a:r>
+              <a:rPr lang="zh-CN" altLang="en-US"/>
+              <a:t>四级</a:t>
+            </a:r>
+          </a:p>
+          <a:p>
+            <a:pPr lvl="4"/>
+            <a:r>
+              <a:rPr lang="zh-CN" altLang="en-US"/>
+              <a:t>五级</a:t>
+            </a:r>
+          </a:p>
+        </p:txBody>
+      </p:sp>
+      <p:sp>
+        <p:nvSpPr>
+          <p:cNvPr id="4" name="日期占位符 3">
+            <a:extLst>
+              <a:ext uri="{FF2B5EF4-FFF2-40B4-BE49-F238E27FC236}">
+                <a16:creationId xmlns:a16="http://schemas.microsoft.com/office/drawing/2014/main" id="{DD8B9347-762C-4420-8778-AEF4B4DC007F}"/>
+              </a:ext>
+            </a:extLst>
+          </p:cNvPr>
+          <p:cNvSpPr>
+            <a:spLocks noGrp="1"/>
+          </p:cNvSpPr>
+          <p:nvPr>
+            <p:ph type="dt" sz="half" idx="10"/>
+          </p:nvPr>
+        </p:nvSpPr>
+        <p:spPr/>
+        <p:txBody>
+          <a:bodyPr/>
+          <a:lstStyle/>
+          <a:p>
+            <a:fld id="{2D4EDF76-AFDA-4902-A8BF-E9111F2E6135}" type="datetimeFigureOut">
+              <a:rPr lang="zh-CN" altLang="en-US" smtClean="0"/>
+              <a:t>2021/8/6</a:t>
+            </a:fld>
+            <a:endParaRPr lang="zh-CN" altLang="en-US"/>
+          </a:p>
+        </p:txBody>
+      </p:sp>
+      <p:sp>
+        <p:nvSpPr>
+          <p:cNvPr id="5" name="页脚占位符 4">
+            <a:extLst>
+              <a:ext uri="{FF2B5EF4-FFF2-40B4-BE49-F238E27FC236}">
+                <a16:creationId xmlns:a16="http://schemas.microsoft.com/office/drawing/2014/main" id="{2C0A7083-BE67-4435-89D3-378A31C2073A}"/>
+              </a:ext>
+            </a:extLst>
+          </p:cNvPr>
+          <p:cNvSpPr>
+            <a:spLocks noGrp="1"/>
+          </p:cNvSpPr>
+          <p:nvPr>
+            <p:ph type="ftr" sz="quarter" idx="11"/>
+          </p:nvPr>
+        </p:nvSpPr>
+        <p:spPr/>
+        <p:txBody>
+          <a:bodyPr/>
+          <a:lstStyle/>
+          <a:p>
+            <a:endParaRPr lang="zh-CN" altLang="en-US"/>
+          </a:p>
+        </p:txBody>
+      </p:sp>
+      <p:sp>
+        <p:nvSpPr>
+          <p:cNvPr id="6" name="灯片编号占位符 5">
+            <a:extLst>
+              <a:ext uri="{FF2B5EF4-FFF2-40B4-BE49-F238E27FC236}">
+                <a16:creationId xmlns:a16="http://schemas.microsoft.com/office/drawing/2014/main" id="{2F72E805-6D82-4AA4-9063-35C90B4CC4EB}"/>
+              </a:ext>
+            </a:extLst>
+          </p:cNvPr>
+          <p:cNvSpPr>
+            <a:spLocks noGrp="1"/>
+          </p:cNvSpPr>
+          <p:nvPr>
+            <p:ph type="sldNum" sz="quarter" idx="12"/>
+          </p:nvPr>
+        </p:nvSpPr>
+        <p:spPr/>
+        <p:txBody>
+          <a:bodyPr/>
+          <a:lstStyle/>
+          <a:p>
+            <a:fld id="{FD3A8BAC-E227-4A3E-A138-C06560006370}" type="slidenum">
+              <a:rPr lang="zh-CN" altLang="en-US" smtClean="0"/>
+              <a:t>‹#›</a:t>
+            </a:fld>
+            <a:endParaRPr lang="zh-CN" altLang="en-US"/>
+          </a:p>
+        </p:txBody>
+      </p:sp>
+    </p:spTree>
+    <p:extLst>
+      <p:ext uri="{BB962C8B-B14F-4D97-AF65-F5344CB8AC3E}">
+        <p14:creationId xmlns:p14="http://schemas.microsoft.com/office/powerpoint/2010/main" val="3495403279"/>
+      </p:ext>
+    </p:extLst>
+  </p:cSld>
+  <p:clrMapOvr>
+    <a:masterClrMapping/>
+  </p:clrMapOvr>
+</p:sldLayout>
+</file>
+
+<file path=ppt/slideLayouts/slideLayout2.xml><?xml version="1.0" encoding="utf-8"?>
+<p:sldLayout xmlns:a="http://schemas.openxmlformats.org/drawingml/2006/main" xmlns:r="http://schemas.openxmlformats.org/officeDocument/2006/relationships" xmlns:p="http://schemas.openxmlformats.org/presentationml/2006/main" type="obj" preserve="1">
+  <p:cSld name="标题和内容">
+    <p:spTree>
+      <p:nvGrpSpPr>
+        <p:cNvPr id="1" name=""/>
+        <p:cNvGrpSpPr/>
+        <p:nvPr/>
+      </p:nvGrpSpPr>
+      <p:grpSpPr>
+        <a:xfrm>
+          <a:off x="0" y="0"/>
+          <a:ext cx="0" cy="0"/>
+          <a:chOff x="0" y="0"/>
+          <a:chExt cx="0" cy="0"/>
+        </a:xfrm>
+      </p:grpSpPr>
+      <p:sp>
+        <p:nvSpPr>
+          <p:cNvPr id="2" name="标题 1">
+            <a:extLst>
+              <a:ext uri="{FF2B5EF4-FFF2-40B4-BE49-F238E27FC236}">
+                <a16:creationId xmlns:a16="http://schemas.microsoft.com/office/drawing/2014/main" id="{D42A00DF-4B2E-4929-822E-FFD9D36168B6}"/>
+              </a:ext>
+            </a:extLst>
+          </p:cNvPr>
+          <p:cNvSpPr>
+            <a:spLocks noGrp="1"/>
+          </p:cNvSpPr>
+          <p:nvPr>
+            <p:ph type="title"/>
+          </p:nvPr>
+        </p:nvSpPr>
+        <p:spPr/>
+        <p:txBody>
+          <a:bodyPr/>
+          <a:lstStyle/>
+          <a:p>
+            <a:r>
+              <a:rPr lang="zh-CN" altLang="en-US"/>
+              <a:t>单击此处编辑母版标题样式</a:t>
+            </a:r>
+          </a:p>
+        </p:txBody>
+      </p:sp>
+      <p:sp>
+        <p:nvSpPr>
+          <p:cNvPr id="3" name="内容占位符 2">
+            <a:extLst>
+              <a:ext uri="{FF2B5EF4-FFF2-40B4-BE49-F238E27FC236}">
+                <a16:creationId xmlns:a16="http://schemas.microsoft.com/office/drawing/2014/main" id="{2203FCD7-E9E9-4E69-8D49-2BECC3BBA6AA}"/>
+              </a:ext>
+            </a:extLst>
+          </p:cNvPr>
+          <p:cNvSpPr>
+            <a:spLocks noGrp="1"/>
+          </p:cNvSpPr>
+          <p:nvPr>
+            <p:ph idx="1"/>
+          </p:nvPr>
+        </p:nvSpPr>
+        <p:spPr/>
+        <p:txBody>
+          <a:bodyPr/>
+          <a:lstStyle/>
+          <a:p>
+            <a:pPr lvl="0"/>
+            <a:r>
+              <a:rPr lang="zh-CN" altLang="en-US"/>
+              <a:t>单击此处编辑母版文本样式</a:t>
+            </a:r>
+          </a:p>
+          <a:p>
+            <a:pPr lvl="1"/>
+            <a:r>
+              <a:rPr lang="zh-CN" altLang="en-US"/>
+              <a:t>二级</a:t>
+            </a:r>
+          </a:p>
+          <a:p>
+            <a:pPr lvl="2"/>
+            <a:r>
+              <a:rPr lang="zh-CN" altLang="en-US"/>
+              <a:t>三级</a:t>
+            </a:r>
+          </a:p>
+          <a:p>
+            <a:pPr lvl="3"/>
+            <a:r>
+              <a:rPr lang="zh-CN" altLang="en-US"/>
+              <a:t>四级</a:t>
+            </a:r>
+          </a:p>
+          <a:p>
+            <a:pPr lvl="4"/>
+            <a:r>
+              <a:rPr lang="zh-CN" altLang="en-US"/>
+              <a:t>五级</a:t>
+            </a:r>
+          </a:p>
+        </p:txBody>
+      </p:sp>
+      <p:sp>
+        <p:nvSpPr>
+          <p:cNvPr id="4" name="日期占位符 3">
+            <a:extLst>
+              <a:ext uri="{FF2B5EF4-FFF2-40B4-BE49-F238E27FC236}">
+                <a16:creationId xmlns:a16="http://schemas.microsoft.com/office/drawing/2014/main" id="{6A857CC7-2409-43E2-9F01-2CBB56A65A3F}"/>
+              </a:ext>
+            </a:extLst>
+          </p:cNvPr>
+          <p:cNvSpPr>
+            <a:spLocks noGrp="1"/>
+          </p:cNvSpPr>
+          <p:nvPr>
+            <p:ph type="dt" sz="half" idx="10"/>
+          </p:nvPr>
+        </p:nvSpPr>
+        <p:spPr/>
+        <p:txBody>
+          <a:bodyPr/>
+          <a:lstStyle/>
+          <a:p>
+            <a:fld id="{2D4EDF76-AFDA-4902-A8BF-E9111F2E6135}" type="datetimeFigureOut">
+              <a:rPr lang="zh-CN" altLang="en-US" smtClean="0"/>
+              <a:t>2021/8/6</a:t>
+            </a:fld>
+            <a:endParaRPr lang="zh-CN" altLang="en-US"/>
+          </a:p>
+        </p:txBody>
+      </p:sp>
+      <p:sp>
+        <p:nvSpPr>
+          <p:cNvPr id="5" name="页脚占位符 4">
+            <a:extLst>
+              <a:ext uri="{FF2B5EF4-FFF2-40B4-BE49-F238E27FC236}">
+                <a16:creationId xmlns:a16="http://schemas.microsoft.com/office/drawing/2014/main" id="{679E6A10-1730-4418-BA23-9B06E18FB229}"/>
+              </a:ext>
+            </a:extLst>
+          </p:cNvPr>
+          <p:cNvSpPr>
+            <a:spLocks noGrp="1"/>
+          </p:cNvSpPr>
+          <p:nvPr>
+            <p:ph type="ftr" sz="quarter" idx="11"/>
+          </p:nvPr>
+        </p:nvSpPr>
+        <p:spPr/>
+        <p:txBody>
+          <a:bodyPr/>
+          <a:lstStyle/>
+          <a:p>
+            <a:endParaRPr lang="zh-CN" altLang="en-US"/>
+          </a:p>
+        </p:txBody>
+      </p:sp>
+      <p:sp>
+        <p:nvSpPr>
+          <p:cNvPr id="6" name="灯片编号占位符 5">
+            <a:extLst>
+              <a:ext uri="{FF2B5EF4-FFF2-40B4-BE49-F238E27FC236}">
+                <a16:creationId xmlns:a16="http://schemas.microsoft.com/office/drawing/2014/main" id="{EEAA850D-24E4-41CC-A9AD-7E061917B42D}"/>
+              </a:ext>
+            </a:extLst>
+          </p:cNvPr>
+          <p:cNvSpPr>
+            <a:spLocks noGrp="1"/>
+          </p:cNvSpPr>
+          <p:nvPr>
+            <p:ph type="sldNum" sz="quarter" idx="12"/>
+          </p:nvPr>
+        </p:nvSpPr>
+        <p:spPr/>
+        <p:txBody>
+          <a:bodyPr/>
+          <a:lstStyle/>
+          <a:p>
+            <a:fld id="{FD3A8BAC-E227-4A3E-A138-C06560006370}" type="slidenum">
+              <a:rPr lang="zh-CN" altLang="en-US" smtClean="0"/>
+              <a:t>‹#›</a:t>
+            </a:fld>
+            <a:endParaRPr lang="zh-CN" altLang="en-US"/>
+          </a:p>
+        </p:txBody>
+      </p:sp>
+    </p:spTree>
+    <p:extLst>
+      <p:ext uri="{BB962C8B-B14F-4D97-AF65-F5344CB8AC3E}">
+        <p14:creationId xmlns:p14="http://schemas.microsoft.com/office/powerpoint/2010/main" val="1273742577"/>
+      </p:ext>
+    </p:extLst>
+  </p:cSld>
+  <p:clrMapOvr>
+    <a:masterClrMapping/>
+  </p:clrMapOvr>
+</p:sldLayout>
+</file>
+
+<file path=ppt/slideLayouts/slideLayout3.xml><?xml version="1.0" encoding="utf-8"?>
+<p:sldLayout xmlns:a="http://schemas.openxmlformats.org/drawingml/2006/main" xmlns:r="http://schemas.openxmlformats.org/officeDocument/2006/relationships" xmlns:p="http://schemas.openxmlformats.org/presentationml/2006/main" type="secHead" preserve="1">
+  <p:cSld name="节标题">
+    <p:spTree>
+      <p:nvGrpSpPr>
+        <p:cNvPr id="1" name=""/>
+        <p:cNvGrpSpPr/>
+        <p:nvPr/>
+      </p:nvGrpSpPr>
+      <p:grpSpPr>
+        <a:xfrm>
+          <a:off x="0" y="0"/>
+          <a:ext cx="0" cy="0"/>
+          <a:chOff x="0" y="0"/>
+          <a:chExt cx="0" cy="0"/>
+        </a:xfrm>
+      </p:grpSpPr>
+      <p:sp>
+        <p:nvSpPr>
+          <p:cNvPr id="2" name="标题 1">
+            <a:extLst>
+              <a:ext uri="{FF2B5EF4-FFF2-40B4-BE49-F238E27FC236}">
+                <a16:creationId xmlns:a16="http://schemas.microsoft.com/office/drawing/2014/main" id="{055BC63A-117B-4839-B1C4-68662C542576}"/>
+              </a:ext>
+            </a:extLst>
+          </p:cNvPr>
+          <p:cNvSpPr>
+            <a:spLocks noGrp="1"/>
+          </p:cNvSpPr>
+          <p:nvPr>
+            <p:ph type="title"/>
+          </p:nvPr>
+        </p:nvSpPr>
+        <p:spPr>
+          <a:xfrm>
+            <a:off x="831850" y="1709738"/>
+            <a:ext cx="10515600" cy="2852737"/>
+          </a:xfrm>
+        </p:spPr>
+        <p:txBody>
+          <a:bodyPr anchor="b"/>
+          <a:lstStyle>
+            <a:lvl1pPr>
+              <a:defRPr sz="6000"/>
+            </a:lvl1pPr>
+          </a:lstStyle>
+          <a:p>
+            <a:r>
+              <a:rPr lang="zh-CN" altLang="en-US"/>
+              <a:t>单击此处编辑母版标题样式</a:t>
+            </a:r>
+          </a:p>
+        </p:txBody>
+      </p:sp>
+      <p:sp>
+        <p:nvSpPr>
+          <p:cNvPr id="3" name="文本占位符 2">
+            <a:extLst>
+              <a:ext uri="{FF2B5EF4-FFF2-40B4-BE49-F238E27FC236}">
+                <a16:creationId xmlns:a16="http://schemas.microsoft.com/office/drawing/2014/main" id="{E941202B-D349-4697-BD91-6AE7D26F6BCF}"/>
+              </a:ext>
+            </a:extLst>
+          </p:cNvPr>
+          <p:cNvSpPr>
+            <a:spLocks noGrp="1"/>
+          </p:cNvSpPr>
+          <p:nvPr>
+            <p:ph type="body" idx="1"/>
+          </p:nvPr>
+        </p:nvSpPr>
+        <p:spPr>
+          <a:xfrm>
+            <a:off x="831850" y="4589463"/>
+            <a:ext cx="10515600" cy="1500187"/>
+          </a:xfrm>
+        </p:spPr>
+        <p:txBody>
+          <a:bodyPr/>
+          <a:lstStyle>
+            <a:lvl1pPr marL="0" indent="0">
+              <a:buNone/>
+              <a:defRPr sz="2400">
+                <a:solidFill>
+                  <a:schemeClr val="tx1">
+                    <a:tint val="75000"/>
+                  </a:schemeClr>
+                </a:solidFill>
+              </a:defRPr>
+            </a:lvl1pPr>
+            <a:lvl2pPr marL="457200" indent="0">
+              <a:buNone/>
+              <a:defRPr sz="2000">
+                <a:solidFill>
+                  <a:schemeClr val="tx1">
+                    <a:tint val="75000"/>
+                  </a:schemeClr>
+                </a:solidFill>
+              </a:defRPr>
+            </a:lvl2pPr>
+            <a:lvl3pPr marL="914400" indent="0">
+              <a:buNone/>
+              <a:defRPr sz="1800">
+                <a:solidFill>
+                  <a:schemeClr val="tx1">
+                    <a:tint val="75000"/>
+                  </a:schemeClr>
+                </a:solidFill>
+              </a:defRPr>
+            </a:lvl3pPr>
+            <a:lvl4pPr marL="1371600" indent="0">
+              <a:buNone/>
+              <a:defRPr sz="1600">
+                <a:solidFill>
+                  <a:schemeClr val="tx1">
+                    <a:tint val="75000"/>
+                  </a:schemeClr>
+                </a:solidFill>
+              </a:defRPr>
+            </a:lvl4pPr>
+            <a:lvl5pPr marL="1828800" indent="0">
+              <a:buNone/>
+              <a:defRPr sz="1600">
+                <a:solidFill>
+                  <a:schemeClr val="tx1">
+                    <a:tint val="75000"/>
+                  </a:schemeClr>
+                </a:solidFill>
+              </a:defRPr>
+            </a:lvl5pPr>
+            <a:lvl6pPr marL="2286000" indent="0">
+              <a:buNone/>
+              <a:defRPr sz="1600">
+                <a:solidFill>
+                  <a:schemeClr val="tx1">
+                    <a:tint val="75000"/>
+                  </a:schemeClr>
+                </a:solidFill>
+              </a:defRPr>
+            </a:lvl6pPr>
+            <a:lvl7pPr marL="2743200" indent="0">
+              <a:buNone/>
+              <a:defRPr sz="1600">
+                <a:solidFill>
+                  <a:schemeClr val="tx1">
+                    <a:tint val="75000"/>
+                  </a:schemeClr>
+                </a:solidFill>
+              </a:defRPr>
+            </a:lvl7pPr>
+            <a:lvl8pPr marL="3200400" indent="0">
+              <a:buNone/>
+              <a:defRPr sz="1600">
+                <a:solidFill>
+                  <a:schemeClr val="tx1">
+                    <a:tint val="75000"/>
+                  </a:schemeClr>
+                </a:solidFill>
+              </a:defRPr>
+            </a:lvl8pPr>
+            <a:lvl9pPr marL="3657600" indent="0">
+              <a:buNone/>
+              <a:defRPr sz="1600">
+                <a:solidFill>
+                  <a:schemeClr val="tx1">
+                    <a:tint val="75000"/>
+                  </a:schemeClr>
+                </a:solidFill>
+              </a:defRPr>
+            </a:lvl9pPr>
+          </a:lstStyle>
+          <a:p>
+            <a:pPr lvl="0"/>
+            <a:r>
+              <a:rPr lang="zh-CN" altLang="en-US"/>
+              <a:t>单击此处编辑母版文本样式</a:t>
+            </a:r>
+          </a:p>
+        </p:txBody>
+      </p:sp>
+      <p:sp>
+        <p:nvSpPr>
+          <p:cNvPr id="4" name="日期占位符 3">
+            <a:extLst>
+              <a:ext uri="{FF2B5EF4-FFF2-40B4-BE49-F238E27FC236}">
+                <a16:creationId xmlns:a16="http://schemas.microsoft.com/office/drawing/2014/main" id="{BB98BFD4-9ACA-4809-8DA7-2D42BB876B8D}"/>
+              </a:ext>
+            </a:extLst>
+          </p:cNvPr>
+          <p:cNvSpPr>
+            <a:spLocks noGrp="1"/>
+          </p:cNvSpPr>
+          <p:nvPr>
+            <p:ph type="dt" sz="half" idx="10"/>
+          </p:nvPr>
+        </p:nvSpPr>
+        <p:spPr/>
+        <p:txBody>
+          <a:bodyPr/>
+          <a:lstStyle/>
+          <a:p>
+            <a:fld id="{2D4EDF76-AFDA-4902-A8BF-E9111F2E6135}" type="datetimeFigureOut">
+              <a:rPr lang="zh-CN" altLang="en-US" smtClean="0"/>
+              <a:t>2021/8/6</a:t>
+            </a:fld>
+            <a:endParaRPr lang="zh-CN" altLang="en-US"/>
+          </a:p>
+        </p:txBody>
+      </p:sp>
+      <p:sp>
+        <p:nvSpPr>
+          <p:cNvPr id="5" name="页脚占位符 4">
+            <a:extLst>
+              <a:ext uri="{FF2B5EF4-FFF2-40B4-BE49-F238E27FC236}">
+                <a16:creationId xmlns:a16="http://schemas.microsoft.com/office/drawing/2014/main" id="{94DF3C81-5369-48D5-9D49-63D7921EBC59}"/>
+              </a:ext>
+            </a:extLst>
+          </p:cNvPr>
+          <p:cNvSpPr>
+            <a:spLocks noGrp="1"/>
+          </p:cNvSpPr>
+          <p:nvPr>
+            <p:ph type="ftr" sz="quarter" idx="11"/>
+          </p:nvPr>
+        </p:nvSpPr>
+        <p:spPr/>
+        <p:txBody>
+          <a:bodyPr/>
+          <a:lstStyle/>
+          <a:p>
+            <a:endParaRPr lang="zh-CN" altLang="en-US"/>
+          </a:p>
+        </p:txBody>
+      </p:sp>
+      <p:sp>
+        <p:nvSpPr>
+          <p:cNvPr id="6" name="灯片编号占位符 5">
+            <a:extLst>
+              <a:ext uri="{FF2B5EF4-FFF2-40B4-BE49-F238E27FC236}">
+                <a16:creationId xmlns:a16="http://schemas.microsoft.com/office/drawing/2014/main" id="{0582795A-5907-4BB0-BF5B-8220A5759433}"/>
+              </a:ext>
+            </a:extLst>
+          </p:cNvPr>
+          <p:cNvSpPr>
+            <a:spLocks noGrp="1"/>
+          </p:cNvSpPr>
+          <p:nvPr>
+            <p:ph type="sldNum" sz="quarter" idx="12"/>
+          </p:nvPr>
+        </p:nvSpPr>
+        <p:spPr/>
+        <p:txBody>
+          <a:bodyPr/>
+          <a:lstStyle/>
+          <a:p>
+            <a:fld id="{FD3A8BAC-E227-4A3E-A138-C06560006370}" type="slidenum">
+              <a:rPr lang="zh-CN" altLang="en-US" smtClean="0"/>
+              <a:t>‹#›</a:t>
+            </a:fld>
+            <a:endParaRPr lang="zh-CN" altLang="en-US"/>
+          </a:p>
+        </p:txBody>
+      </p:sp>
+    </p:spTree>
+    <p:extLst>
+      <p:ext uri="{BB962C8B-B14F-4D97-AF65-F5344CB8AC3E}">
+        <p14:creationId xmlns:p14="http://schemas.microsoft.com/office/powerpoint/2010/main" val="2241629140"/>
+      </p:ext>
+    </p:extLst>
+  </p:cSld>
+  <p:clrMapOvr>
+    <a:masterClrMapping/>
+  </p:clrMapOvr>
+</p:sldLayout>
+</file>
+
+<file path=ppt/slideLayouts/slideLayout4.xml><?xml version="1.0" encoding="utf-8"?>
+<p:sldLayout xmlns:a="http://schemas.openxmlformats.org/drawingml/2006/main" xmlns:r="http://schemas.openxmlformats.org/officeDocument/2006/relationships" xmlns:p="http://schemas.openxmlformats.org/presentationml/2006/main" type="twoObj" preserve="1">
+  <p:cSld name="两栏内容">
+    <p:spTree>
+      <p:nvGrpSpPr>
+        <p:cNvPr id="1" name=""/>
+        <p:cNvGrpSpPr/>
+        <p:nvPr/>
+      </p:nvGrpSpPr>
+      <p:grpSpPr>
+        <a:xfrm>
+          <a:off x="0" y="0"/>
+          <a:ext cx="0" cy="0"/>
+          <a:chOff x="0" y="0"/>
+          <a:chExt cx="0" cy="0"/>
+        </a:xfrm>
+      </p:grpSpPr>
+      <p:sp>
+        <p:nvSpPr>
+          <p:cNvPr id="2" name="标题 1">
+            <a:extLst>
+              <a:ext uri="{FF2B5EF4-FFF2-40B4-BE49-F238E27FC236}">
+                <a16:creationId xmlns:a16="http://schemas.microsoft.com/office/drawing/2014/main" id="{353B8CB1-47C4-43EF-A550-A57CA8E0B699}"/>
+              </a:ext>
+            </a:extLst>
+          </p:cNvPr>
+          <p:cNvSpPr>
+            <a:spLocks noGrp="1"/>
+          </p:cNvSpPr>
+          <p:nvPr>
+            <p:ph type="title"/>
+          </p:nvPr>
+        </p:nvSpPr>
+        <p:spPr/>
+        <p:txBody>
+          <a:bodyPr/>
+          <a:lstStyle/>
+          <a:p>
+            <a:r>
+              <a:rPr lang="zh-CN" altLang="en-US"/>
+              <a:t>单击此处编辑母版标题样式</a:t>
+            </a:r>
+          </a:p>
+        </p:txBody>
+      </p:sp>
+      <p:sp>
+        <p:nvSpPr>
+          <p:cNvPr id="3" name="内容占位符 2">
+            <a:extLst>
+              <a:ext uri="{FF2B5EF4-FFF2-40B4-BE49-F238E27FC236}">
+                <a16:creationId xmlns:a16="http://schemas.microsoft.com/office/drawing/2014/main" id="{1C685FE4-733B-4E52-BECC-8A8AEA04454D}"/>
+              </a:ext>
+            </a:extLst>
+          </p:cNvPr>
+          <p:cNvSpPr>
+            <a:spLocks noGrp="1"/>
+          </p:cNvSpPr>
+          <p:nvPr>
+            <p:ph sz="half" idx="1"/>
+          </p:nvPr>
+        </p:nvSpPr>
+        <p:spPr>
+          <a:xfrm>
+            <a:off x="838200" y="1825625"/>
+            <a:ext cx="5181600" cy="4351338"/>
+          </a:xfrm>
+        </p:spPr>
+        <p:txBody>
+          <a:bodyPr/>
+          <a:lstStyle/>
+          <a:p>
+            <a:pPr lvl="0"/>
+            <a:r>
+              <a:rPr lang="zh-CN" altLang="en-US"/>
+              <a:t>单击此处编辑母版文本样式</a:t>
+            </a:r>
+          </a:p>
+          <a:p>
+            <a:pPr lvl="1"/>
+            <a:r>
+              <a:rPr lang="zh-CN" altLang="en-US"/>
+              <a:t>二级</a:t>
+            </a:r>
+          </a:p>
+          <a:p>
+            <a:pPr lvl="2"/>
+            <a:r>
+              <a:rPr lang="zh-CN" altLang="en-US"/>
+              <a:t>三级</a:t>
+            </a:r>
+          </a:p>
+          <a:p>
+            <a:pPr lvl="3"/>
+            <a:r>
+              <a:rPr lang="zh-CN" altLang="en-US"/>
+              <a:t>四级</a:t>
+            </a:r>
+          </a:p>
+          <a:p>
+            <a:pPr lvl="4"/>
+            <a:r>
+              <a:rPr lang="zh-CN" altLang="en-US"/>
+              <a:t>五级</a:t>
+            </a:r>
+          </a:p>
+        </p:txBody>
+      </p:sp>
+      <p:sp>
+        <p:nvSpPr>
+          <p:cNvPr id="4" name="内容占位符 3">
+            <a:extLst>
+              <a:ext uri="{FF2B5EF4-FFF2-40B4-BE49-F238E27FC236}">
+                <a16:creationId xmlns:a16="http://schemas.microsoft.com/office/drawing/2014/main" id="{12233B18-3F7F-4274-A28D-DFACBBD6BB97}"/>
+              </a:ext>
+            </a:extLst>
+          </p:cNvPr>
+          <p:cNvSpPr>
+            <a:spLocks noGrp="1"/>
+          </p:cNvSpPr>
+          <p:nvPr>
+            <p:ph sz="half" idx="2"/>
+          </p:nvPr>
+        </p:nvSpPr>
+        <p:spPr>
+          <a:xfrm>
+            <a:off x="6172200" y="1825625"/>
+            <a:ext cx="5181600" cy="4351338"/>
+          </a:xfrm>
+        </p:spPr>
+        <p:txBody>
+          <a:bodyPr/>
+          <a:lstStyle/>
+          <a:p>
+            <a:pPr lvl="0"/>
+            <a:r>
+              <a:rPr lang="zh-CN" altLang="en-US"/>
+              <a:t>单击此处编辑母版文本样式</a:t>
+            </a:r>
+          </a:p>
+          <a:p>
+            <a:pPr lvl="1"/>
+            <a:r>
+              <a:rPr lang="zh-CN" altLang="en-US"/>
+              <a:t>二级</a:t>
+            </a:r>
+          </a:p>
+          <a:p>
+            <a:pPr lvl="2"/>
+            <a:r>
+              <a:rPr lang="zh-CN" altLang="en-US"/>
+              <a:t>三级</a:t>
+            </a:r>
+          </a:p>
+          <a:p>
+            <a:pPr lvl="3"/>
+            <a:r>
+              <a:rPr lang="zh-CN" altLang="en-US"/>
+              <a:t>四级</a:t>
+            </a:r>
+          </a:p>
+          <a:p>
+            <a:pPr lvl="4"/>
+            <a:r>
+              <a:rPr lang="zh-CN" altLang="en-US"/>
+              <a:t>五级</a:t>
+            </a:r>
+          </a:p>
+        </p:txBody>
+      </p:sp>
+      <p:sp>
+        <p:nvSpPr>
+          <p:cNvPr id="5" name="日期占位符 4">
+            <a:extLst>
+              <a:ext uri="{FF2B5EF4-FFF2-40B4-BE49-F238E27FC236}">
+                <a16:creationId xmlns:a16="http://schemas.microsoft.com/office/drawing/2014/main" id="{2B14D147-0541-47A0-9D1F-A7528C840855}"/>
+              </a:ext>
+            </a:extLst>
+          </p:cNvPr>
+          <p:cNvSpPr>
+            <a:spLocks noGrp="1"/>
+          </p:cNvSpPr>
+          <p:nvPr>
+            <p:ph type="dt" sz="half" idx="10"/>
+          </p:nvPr>
+        </p:nvSpPr>
+        <p:spPr/>
+        <p:txBody>
+          <a:bodyPr/>
+          <a:lstStyle/>
+          <a:p>
+            <a:fld id="{2D4EDF76-AFDA-4902-A8BF-E9111F2E6135}" type="datetimeFigureOut">
+              <a:rPr lang="zh-CN" altLang="en-US" smtClean="0"/>
+              <a:t>2021/8/6</a:t>
+            </a:fld>
+            <a:endParaRPr lang="zh-CN" altLang="en-US"/>
+          </a:p>
+        </p:txBody>
+      </p:sp>
+      <p:sp>
+        <p:nvSpPr>
+          <p:cNvPr id="6" name="页脚占位符 5">
+            <a:extLst>
+              <a:ext uri="{FF2B5EF4-FFF2-40B4-BE49-F238E27FC236}">
+                <a16:creationId xmlns:a16="http://schemas.microsoft.com/office/drawing/2014/main" id="{CC2FD8B7-2E48-49B7-A241-F0147B6181BE}"/>
+              </a:ext>
+            </a:extLst>
+          </p:cNvPr>
+          <p:cNvSpPr>
+            <a:spLocks noGrp="1"/>
+          </p:cNvSpPr>
+          <p:nvPr>
+            <p:ph type="ftr" sz="quarter" idx="11"/>
+          </p:nvPr>
+        </p:nvSpPr>
+        <p:spPr/>
+        <p:txBody>
+          <a:bodyPr/>
+          <a:lstStyle/>
+          <a:p>
+            <a:endParaRPr lang="zh-CN" altLang="en-US"/>
+          </a:p>
+        </p:txBody>
+      </p:sp>
+      <p:sp>
+        <p:nvSpPr>
+          <p:cNvPr id="7" name="灯片编号占位符 6">
+            <a:extLst>
+              <a:ext uri="{FF2B5EF4-FFF2-40B4-BE49-F238E27FC236}">
+                <a16:creationId xmlns:a16="http://schemas.microsoft.com/office/drawing/2014/main" id="{7106AEE8-9FD4-462F-92B9-683CD3BC597E}"/>
+              </a:ext>
+            </a:extLst>
+          </p:cNvPr>
+          <p:cNvSpPr>
+            <a:spLocks noGrp="1"/>
+          </p:cNvSpPr>
+          <p:nvPr>
+            <p:ph type="sldNum" sz="quarter" idx="12"/>
+          </p:nvPr>
+        </p:nvSpPr>
+        <p:spPr/>
+        <p:txBody>
+          <a:bodyPr/>
+          <a:lstStyle/>
+          <a:p>
+            <a:fld id="{FD3A8BAC-E227-4A3E-A138-C06560006370}" type="slidenum">
+              <a:rPr lang="zh-CN" altLang="en-US" smtClean="0"/>
+              <a:t>‹#›</a:t>
+            </a:fld>
+            <a:endParaRPr lang="zh-CN" altLang="en-US"/>
+          </a:p>
+        </p:txBody>
+      </p:sp>
+    </p:spTree>
+    <p:extLst>
+      <p:ext uri="{BB962C8B-B14F-4D97-AF65-F5344CB8AC3E}">
+        <p14:creationId xmlns:p14="http://schemas.microsoft.com/office/powerpoint/2010/main" val="2215220590"/>
+      </p:ext>
+    </p:extLst>
+  </p:cSld>
+  <p:clrMapOvr>
+    <a:masterClrMapping/>
+  </p:clrMapOvr>
+</p:sldLayout>
+</file>
+
+<file path=ppt/slideLayouts/slideLayout5.xml><?xml version="1.0" encoding="utf-8"?>
+<p:sldLayout xmlns:a="http://schemas.openxmlformats.org/drawingml/2006/main" xmlns:r="http://schemas.openxmlformats.org/officeDocument/2006/relationships" xmlns:p="http://schemas.openxmlformats.org/presentationml/2006/main" type="twoTxTwoObj" preserve="1">
+  <p:cSld name="比较">
+    <p:spTree>
+      <p:nvGrpSpPr>
+        <p:cNvPr id="1" name=""/>
+        <p:cNvGrpSpPr/>
+        <p:nvPr/>
+      </p:nvGrpSpPr>
+      <p:grpSpPr>
+        <a:xfrm>
+          <a:off x="0" y="0"/>
+          <a:ext cx="0" cy="0"/>
+          <a:chOff x="0" y="0"/>
+          <a:chExt cx="0" cy="0"/>
+        </a:xfrm>
+      </p:grpSpPr>
+      <p:sp>
+        <p:nvSpPr>
+          <p:cNvPr id="2" name="标题 1">
+            <a:extLst>
+              <a:ext uri="{FF2B5EF4-FFF2-40B4-BE49-F238E27FC236}">
+                <a16:creationId xmlns:a16="http://schemas.microsoft.com/office/drawing/2014/main" id="{47207A65-36D6-4DF7-ACB8-4347B73FA113}"/>
+              </a:ext>
+            </a:extLst>
+          </p:cNvPr>
+          <p:cNvSpPr>
+            <a:spLocks noGrp="1"/>
+          </p:cNvSpPr>
+          <p:nvPr>
+            <p:ph type="title"/>
+          </p:nvPr>
+        </p:nvSpPr>
+        <p:spPr>
+          <a:xfrm>
+            <a:off x="839788" y="365125"/>
+            <a:ext cx="10515600" cy="1325563"/>
+          </a:xfrm>
+        </p:spPr>
+        <p:txBody>
+          <a:bodyPr/>
+          <a:lstStyle/>
+          <a:p>
+            <a:r>
+              <a:rPr lang="zh-CN" altLang="en-US"/>
+              <a:t>单击此处编辑母版标题样式</a:t>
+            </a:r>
+          </a:p>
+        </p:txBody>
+      </p:sp>
+      <p:sp>
+        <p:nvSpPr>
+          <p:cNvPr id="3" name="文本占位符 2">
+            <a:extLst>
+              <a:ext uri="{FF2B5EF4-FFF2-40B4-BE49-F238E27FC236}">
+                <a16:creationId xmlns:a16="http://schemas.microsoft.com/office/drawing/2014/main" id="{6FD28139-5DD8-4080-990F-1531019D3044}"/>
+              </a:ext>
+            </a:extLst>
+          </p:cNvPr>
+          <p:cNvSpPr>
+            <a:spLocks noGrp="1"/>
+          </p:cNvSpPr>
+          <p:nvPr>
+            <p:ph type="body" idx="1"/>
+          </p:nvPr>
+        </p:nvSpPr>
+        <p:spPr>
+          <a:xfrm>
+            <a:off x="839788" y="1681163"/>
+            <a:ext cx="5157787" cy="823912"/>
+          </a:xfrm>
+        </p:spPr>
+        <p:txBody>
+          <a:bodyPr anchor="b"/>
+          <a:lstStyle>
+            <a:lvl1pPr marL="0" indent="0">
+              <a:buNone/>
+              <a:defRPr sz="2400" b="1"/>
+            </a:lvl1pPr>
+            <a:lvl2pPr marL="457200" indent="0">
+              <a:buNone/>
+              <a:defRPr sz="2000" b="1"/>
+            </a:lvl2pPr>
+            <a:lvl3pPr marL="914400" indent="0">
+              <a:buNone/>
+              <a:defRPr sz="1800" b="1"/>
+            </a:lvl3pPr>
+            <a:lvl4pPr marL="1371600" indent="0">
+              <a:buNone/>
+              <a:defRPr sz="1600" b="1"/>
+            </a:lvl4pPr>
+            <a:lvl5pPr marL="1828800" indent="0">
+              <a:buNone/>
+              <a:defRPr sz="1600" b="1"/>
+            </a:lvl5pPr>
+            <a:lvl6pPr marL="2286000" indent="0">
+              <a:buNone/>
+              <a:defRPr sz="1600" b="1"/>
+            </a:lvl6pPr>
+            <a:lvl7pPr marL="2743200" indent="0">
+              <a:buNone/>
+              <a:defRPr sz="1600" b="1"/>
+            </a:lvl7pPr>
+            <a:lvl8pPr marL="3200400" indent="0">
+              <a:buNone/>
+              <a:defRPr sz="1600" b="1"/>
+            </a:lvl8pPr>
+            <a:lvl9pPr marL="3657600" indent="0">
+              <a:buNone/>
+              <a:defRPr sz="1600" b="1"/>
+            </a:lvl9pPr>
+          </a:lstStyle>
+          <a:p>
+            <a:pPr lvl="0"/>
+            <a:r>
+              <a:rPr lang="zh-CN" altLang="en-US"/>
+              <a:t>单击此处编辑母版文本样式</a:t>
+            </a:r>
+          </a:p>
+        </p:txBody>
+      </p:sp>
+      <p:sp>
+        <p:nvSpPr>
+          <p:cNvPr id="4" name="内容占位符 3">
+            <a:extLst>
+              <a:ext uri="{FF2B5EF4-FFF2-40B4-BE49-F238E27FC236}">
+                <a16:creationId xmlns:a16="http://schemas.microsoft.com/office/drawing/2014/main" id="{BE26A87D-1053-4BB9-8AEF-10E9354CC125}"/>
+              </a:ext>
+            </a:extLst>
+          </p:cNvPr>
+          <p:cNvSpPr>
+            <a:spLocks noGrp="1"/>
+          </p:cNvSpPr>
+          <p:nvPr>
+            <p:ph sz="half" idx="2"/>
+          </p:nvPr>
+        </p:nvSpPr>
+        <p:spPr>
+          <a:xfrm>
+            <a:off x="839788" y="2505075"/>
+            <a:ext cx="5157787" cy="3684588"/>
+          </a:xfrm>
+        </p:spPr>
+        <p:txBody>
+          <a:bodyPr/>
+          <a:lstStyle/>
+          <a:p>
+            <a:pPr lvl="0"/>
+            <a:r>
+              <a:rPr lang="zh-CN" altLang="en-US"/>
+              <a:t>单击此处编辑母版文本样式</a:t>
+            </a:r>
+          </a:p>
+          <a:p>
+            <a:pPr lvl="1"/>
+            <a:r>
+              <a:rPr lang="zh-CN" altLang="en-US"/>
+              <a:t>二级</a:t>
+            </a:r>
+          </a:p>
+          <a:p>
+            <a:pPr lvl="2"/>
+            <a:r>
+              <a:rPr lang="zh-CN" altLang="en-US"/>
+              <a:t>三级</a:t>
+            </a:r>
+          </a:p>
+          <a:p>
+            <a:pPr lvl="3"/>
+            <a:r>
+              <a:rPr lang="zh-CN" altLang="en-US"/>
+              <a:t>四级</a:t>
+            </a:r>
+          </a:p>
+          <a:p>
+            <a:pPr lvl="4"/>
+            <a:r>
+              <a:rPr lang="zh-CN" altLang="en-US"/>
+              <a:t>五级</a:t>
+            </a:r>
+          </a:p>
+        </p:txBody>
+      </p:sp>
+      <p:sp>
+        <p:nvSpPr>
+          <p:cNvPr id="5" name="文本占位符 4">
+            <a:extLst>
+              <a:ext uri="{FF2B5EF4-FFF2-40B4-BE49-F238E27FC236}">
+                <a16:creationId xmlns:a16="http://schemas.microsoft.com/office/drawing/2014/main" id="{CD83FADD-0798-4684-AED8-911B07CFEB87}"/>
+              </a:ext>
+            </a:extLst>
+          </p:cNvPr>
+          <p:cNvSpPr>
+            <a:spLocks noGrp="1"/>
+          </p:cNvSpPr>
+          <p:nvPr>
+            <p:ph type="body" sz="quarter" idx="3"/>
+          </p:nvPr>
+        </p:nvSpPr>
+        <p:spPr>
+          <a:xfrm>
+            <a:off x="6172200" y="1681163"/>
+            <a:ext cx="5183188" cy="823912"/>
+          </a:xfrm>
+        </p:spPr>
+        <p:txBody>
+          <a:bodyPr anchor="b"/>
+          <a:lstStyle>
+            <a:lvl1pPr marL="0" indent="0">
+              <a:buNone/>
+              <a:defRPr sz="2400" b="1"/>
+            </a:lvl1pPr>
+            <a:lvl2pPr marL="457200" indent="0">
+              <a:buNone/>
+              <a:defRPr sz="2000" b="1"/>
+            </a:lvl2pPr>
+            <a:lvl3pPr marL="914400" indent="0">
+              <a:buNone/>
+              <a:defRPr sz="1800" b="1"/>
+            </a:lvl3pPr>
+            <a:lvl4pPr marL="1371600" indent="0">
+              <a:buNone/>
+              <a:defRPr sz="1600" b="1"/>
+            </a:lvl4pPr>
+            <a:lvl5pPr marL="1828800" indent="0">
+              <a:buNone/>
+              <a:defRPr sz="1600" b="1"/>
+            </a:lvl5pPr>
+            <a:lvl6pPr marL="2286000" indent="0">
+              <a:buNone/>
+              <a:defRPr sz="1600" b="1"/>
+            </a:lvl6pPr>
+            <a:lvl7pPr marL="2743200" indent="0">
+              <a:buNone/>
+              <a:defRPr sz="1600" b="1"/>
+            </a:lvl7pPr>
+            <a:lvl8pPr marL="3200400" indent="0">
+              <a:buNone/>
+              <a:defRPr sz="1600" b="1"/>
+            </a:lvl8pPr>
+            <a:lvl9pPr marL="3657600" indent="0">
+              <a:buNone/>
+              <a:defRPr sz="1600" b="1"/>
+            </a:lvl9pPr>
+          </a:lstStyle>
+          <a:p>
+            <a:pPr lvl="0"/>
+            <a:r>
+              <a:rPr lang="zh-CN" altLang="en-US"/>
+              <a:t>单击此处编辑母版文本样式</a:t>
+            </a:r>
+          </a:p>
+        </p:txBody>
+      </p:sp>
+      <p:sp>
+        <p:nvSpPr>
+          <p:cNvPr id="6" name="内容占位符 5">
+            <a:extLst>
+              <a:ext uri="{FF2B5EF4-FFF2-40B4-BE49-F238E27FC236}">
+                <a16:creationId xmlns:a16="http://schemas.microsoft.com/office/drawing/2014/main" id="{843BE008-99E4-45E0-824D-513393D2ECCE}"/>
+              </a:ext>
+            </a:extLst>
+          </p:cNvPr>
+          <p:cNvSpPr>
+            <a:spLocks noGrp="1"/>
+          </p:cNvSpPr>
+          <p:nvPr>
+            <p:ph sz="quarter" idx="4"/>
+          </p:nvPr>
+        </p:nvSpPr>
+        <p:spPr>
+          <a:xfrm>
+            <a:off x="6172200" y="2505075"/>
+            <a:ext cx="5183188" cy="3684588"/>
+          </a:xfrm>
+        </p:spPr>
+        <p:txBody>
+          <a:bodyPr/>
+          <a:lstStyle/>
+          <a:p>
+            <a:pPr lvl="0"/>
+            <a:r>
+              <a:rPr lang="zh-CN" altLang="en-US"/>
+              <a:t>单击此处编辑母版文本样式</a:t>
+            </a:r>
+          </a:p>
+          <a:p>
+            <a:pPr lvl="1"/>
+            <a:r>
+              <a:rPr lang="zh-CN" altLang="en-US"/>
+              <a:t>二级</a:t>
+            </a:r>
+          </a:p>
+          <a:p>
+            <a:pPr lvl="2"/>
+            <a:r>
+              <a:rPr lang="zh-CN" altLang="en-US"/>
+              <a:t>三级</a:t>
+            </a:r>
+          </a:p>
+          <a:p>
+            <a:pPr lvl="3"/>
+            <a:r>
+              <a:rPr lang="zh-CN" altLang="en-US"/>
+              <a:t>四级</a:t>
+            </a:r>
+          </a:p>
+          <a:p>
+            <a:pPr lvl="4"/>
+            <a:r>
+              <a:rPr lang="zh-CN" altLang="en-US"/>
+              <a:t>五级</a:t>
+            </a:r>
+          </a:p>
+        </p:txBody>
+      </p:sp>
+      <p:sp>
+        <p:nvSpPr>
+          <p:cNvPr id="7" name="日期占位符 6">
+            <a:extLst>
+              <a:ext uri="{FF2B5EF4-FFF2-40B4-BE49-F238E27FC236}">
+                <a16:creationId xmlns:a16="http://schemas.microsoft.com/office/drawing/2014/main" id="{A79BBA46-A67A-4FB3-9178-820B90C4D898}"/>
+              </a:ext>
+            </a:extLst>
+          </p:cNvPr>
+          <p:cNvSpPr>
+            <a:spLocks noGrp="1"/>
+          </p:cNvSpPr>
+          <p:nvPr>
+            <p:ph type="dt" sz="half" idx="10"/>
+          </p:nvPr>
+        </p:nvSpPr>
+        <p:spPr/>
+        <p:txBody>
+          <a:bodyPr/>
+          <a:lstStyle/>
+          <a:p>
+            <a:fld id="{2D4EDF76-AFDA-4902-A8BF-E9111F2E6135}" type="datetimeFigureOut">
+              <a:rPr lang="zh-CN" altLang="en-US" smtClean="0"/>
+              <a:t>2021/8/6</a:t>
+            </a:fld>
+            <a:endParaRPr lang="zh-CN" altLang="en-US"/>
+          </a:p>
+        </p:txBody>
+      </p:sp>
+      <p:sp>
+        <p:nvSpPr>
+          <p:cNvPr id="8" name="页脚占位符 7">
+            <a:extLst>
+              <a:ext uri="{FF2B5EF4-FFF2-40B4-BE49-F238E27FC236}">
+                <a16:creationId xmlns:a16="http://schemas.microsoft.com/office/drawing/2014/main" id="{A9C66A31-10B5-4B8F-8139-81F4EF703B2A}"/>
+              </a:ext>
+            </a:extLst>
+          </p:cNvPr>
+          <p:cNvSpPr>
+            <a:spLocks noGrp="1"/>
+          </p:cNvSpPr>
+          <p:nvPr>
+            <p:ph type="ftr" sz="quarter" idx="11"/>
+          </p:nvPr>
+        </p:nvSpPr>
+        <p:spPr/>
+        <p:txBody>
+          <a:bodyPr/>
+          <a:lstStyle/>
+          <a:p>
+            <a:endParaRPr lang="zh-CN" altLang="en-US"/>
+          </a:p>
+        </p:txBody>
+      </p:sp>
+      <p:sp>
+        <p:nvSpPr>
+          <p:cNvPr id="9" name="灯片编号占位符 8">
+            <a:extLst>
+              <a:ext uri="{FF2B5EF4-FFF2-40B4-BE49-F238E27FC236}">
+                <a16:creationId xmlns:a16="http://schemas.microsoft.com/office/drawing/2014/main" id="{18C07639-07F6-482C-9BF2-EE2296C7900D}"/>
+              </a:ext>
+            </a:extLst>
+          </p:cNvPr>
+          <p:cNvSpPr>
+            <a:spLocks noGrp="1"/>
+          </p:cNvSpPr>
+          <p:nvPr>
+            <p:ph type="sldNum" sz="quarter" idx="12"/>
+          </p:nvPr>
+        </p:nvSpPr>
+        <p:spPr/>
+        <p:txBody>
+          <a:bodyPr/>
+          <a:lstStyle/>
+          <a:p>
+            <a:fld id="{FD3A8BAC-E227-4A3E-A138-C06560006370}" type="slidenum">
+              <a:rPr lang="zh-CN" altLang="en-US" smtClean="0"/>
+              <a:t>‹#›</a:t>
+            </a:fld>
+            <a:endParaRPr lang="zh-CN" altLang="en-US"/>
+          </a:p>
+        </p:txBody>
+      </p:sp>
+    </p:spTree>
+    <p:extLst>
+      <p:ext uri="{BB962C8B-B14F-4D97-AF65-F5344CB8AC3E}">
+        <p14:creationId xmlns:p14="http://schemas.microsoft.com/office/powerpoint/2010/main" val="1650638625"/>
+      </p:ext>
+    </p:extLst>
+  </p:cSld>
+  <p:clrMapOvr>
+    <a:masterClrMapping/>
+  </p:clrMapOvr>
+</p:sldLayout>
+</file>
+
+<file path=ppt/slideLayouts/slideLayout6.xml><?xml version="1.0" encoding="utf-8"?>
+<p:sldLayout xmlns:a="http://schemas.openxmlformats.org/drawingml/2006/main" xmlns:r="http://schemas.openxmlformats.org/officeDocument/2006/relationships" xmlns:p="http://schemas.openxmlformats.org/presentationml/2006/main" type="titleOnly" preserve="1">
+  <p:cSld name="仅标题">
+    <p:spTree>
+      <p:nvGrpSpPr>
+        <p:cNvPr id="1" name=""/>
+        <p:cNvGrpSpPr/>
+        <p:nvPr/>
+      </p:nvGrpSpPr>
+      <p:grpSpPr>
+        <a:xfrm>
+          <a:off x="0" y="0"/>
+          <a:ext cx="0" cy="0"/>
+          <a:chOff x="0" y="0"/>
+          <a:chExt cx="0" cy="0"/>
+        </a:xfrm>
+      </p:grpSpPr>
+      <p:sp>
+        <p:nvSpPr>
+          <p:cNvPr id="2" name="标题 1">
+            <a:extLst>
+              <a:ext uri="{FF2B5EF4-FFF2-40B4-BE49-F238E27FC236}">
+                <a16:creationId xmlns:a16="http://schemas.microsoft.com/office/drawing/2014/main" id="{9F31B834-A89C-4571-BFAA-9A19AA36EFCE}"/>
+              </a:ext>
+            </a:extLst>
+          </p:cNvPr>
+          <p:cNvSpPr>
+            <a:spLocks noGrp="1"/>
+          </p:cNvSpPr>
+          <p:nvPr>
+            <p:ph type="title"/>
+          </p:nvPr>
+        </p:nvSpPr>
+        <p:spPr/>
+        <p:txBody>
+          <a:bodyPr/>
+          <a:lstStyle/>
+          <a:p>
+            <a:r>
+              <a:rPr lang="zh-CN" altLang="en-US"/>
+              <a:t>单击此处编辑母版标题样式</a:t>
+            </a:r>
+          </a:p>
+        </p:txBody>
+      </p:sp>
+      <p:sp>
+        <p:nvSpPr>
+          <p:cNvPr id="3" name="日期占位符 2">
+            <a:extLst>
+              <a:ext uri="{FF2B5EF4-FFF2-40B4-BE49-F238E27FC236}">
+                <a16:creationId xmlns:a16="http://schemas.microsoft.com/office/drawing/2014/main" id="{61420472-8A67-4E53-8AB4-01CC1E3DB246}"/>
+              </a:ext>
+            </a:extLst>
+          </p:cNvPr>
+          <p:cNvSpPr>
+            <a:spLocks noGrp="1"/>
+          </p:cNvSpPr>
+          <p:nvPr>
+            <p:ph type="dt" sz="half" idx="10"/>
+          </p:nvPr>
+        </p:nvSpPr>
+        <p:spPr/>
+        <p:txBody>
+          <a:bodyPr/>
+          <a:lstStyle/>
+          <a:p>
+            <a:fld id="{2D4EDF76-AFDA-4902-A8BF-E9111F2E6135}" type="datetimeFigureOut">
+              <a:rPr lang="zh-CN" altLang="en-US" smtClean="0"/>
+              <a:t>2021/8/6</a:t>
+            </a:fld>
+            <a:endParaRPr lang="zh-CN" altLang="en-US"/>
+          </a:p>
+        </p:txBody>
+      </p:sp>
+      <p:sp>
+        <p:nvSpPr>
+          <p:cNvPr id="4" name="页脚占位符 3">
+            <a:extLst>
+              <a:ext uri="{FF2B5EF4-FFF2-40B4-BE49-F238E27FC236}">
+                <a16:creationId xmlns:a16="http://schemas.microsoft.com/office/drawing/2014/main" id="{511E7C04-9D6E-445E-8362-D9326A20B3E5}"/>
+              </a:ext>
+            </a:extLst>
+          </p:cNvPr>
+          <p:cNvSpPr>
+            <a:spLocks noGrp="1"/>
+          </p:cNvSpPr>
+          <p:nvPr>
+            <p:ph type="ftr" sz="quarter" idx="11"/>
+          </p:nvPr>
+        </p:nvSpPr>
+        <p:spPr/>
+        <p:txBody>
+          <a:bodyPr/>
+          <a:lstStyle/>
+          <a:p>
+            <a:endParaRPr lang="zh-CN" altLang="en-US"/>
+          </a:p>
+        </p:txBody>
+      </p:sp>
+      <p:sp>
+        <p:nvSpPr>
+          <p:cNvPr id="5" name="灯片编号占位符 4">
+            <a:extLst>
+              <a:ext uri="{FF2B5EF4-FFF2-40B4-BE49-F238E27FC236}">
+                <a16:creationId xmlns:a16="http://schemas.microsoft.com/office/drawing/2014/main" id="{862FD679-9444-4979-A0A1-A567391E1004}"/>
+              </a:ext>
+            </a:extLst>
+          </p:cNvPr>
+          <p:cNvSpPr>
+            <a:spLocks noGrp="1"/>
+          </p:cNvSpPr>
+          <p:nvPr>
+            <p:ph type="sldNum" sz="quarter" idx="12"/>
+          </p:nvPr>
+        </p:nvSpPr>
+        <p:spPr/>
+        <p:txBody>
+          <a:bodyPr/>
+          <a:lstStyle/>
+          <a:p>
+            <a:fld id="{FD3A8BAC-E227-4A3E-A138-C06560006370}" type="slidenum">
+              <a:rPr lang="zh-CN" altLang="en-US" smtClean="0"/>
+              <a:t>‹#›</a:t>
+            </a:fld>
+            <a:endParaRPr lang="zh-CN" altLang="en-US"/>
+          </a:p>
+        </p:txBody>
+      </p:sp>
+    </p:spTree>
+    <p:extLst>
+      <p:ext uri="{BB962C8B-B14F-4D97-AF65-F5344CB8AC3E}">
+        <p14:creationId xmlns:p14="http://schemas.microsoft.com/office/powerpoint/2010/main" val="3854256039"/>
+      </p:ext>
+    </p:extLst>
+  </p:cSld>
+  <p:clrMapOvr>
+    <a:masterClrMapping/>
+  </p:clrMapOvr>
+</p:sldLayout>
+</file>
+
+<file path=ppt/slideLayouts/slideLayout7.xml><?xml version="1.0" encoding="utf-8"?>
+<p:sldLayout xmlns:a="http://schemas.openxmlformats.org/drawingml/2006/main" xmlns:r="http://schemas.openxmlformats.org/officeDocument/2006/relationships" xmlns:p="http://schemas.openxmlformats.org/presentationml/2006/main" type="blank" preserve="1">
+  <p:cSld name="空白">
+    <p:spTree>
+      <p:nvGrpSpPr>
+        <p:cNvPr id="1" name=""/>
+        <p:cNvGrpSpPr/>
+        <p:nvPr/>
+      </p:nvGrpSpPr>
+      <p:grpSpPr>
+        <a:xfrm>
+          <a:off x="0" y="0"/>
+          <a:ext cx="0" cy="0"/>
+          <a:chOff x="0" y="0"/>
+          <a:chExt cx="0" cy="0"/>
+        </a:xfrm>
+      </p:grpSpPr>
+      <p:sp>
+        <p:nvSpPr>
+          <p:cNvPr id="2" name="日期占位符 1">
+            <a:extLst>
+              <a:ext uri="{FF2B5EF4-FFF2-40B4-BE49-F238E27FC236}">
+                <a16:creationId xmlns:a16="http://schemas.microsoft.com/office/drawing/2014/main" id="{7EFACE2B-CBD3-4FDA-8F66-C1F0B447E48C}"/>
+              </a:ext>
+            </a:extLst>
+          </p:cNvPr>
+          <p:cNvSpPr>
+            <a:spLocks noGrp="1"/>
+          </p:cNvSpPr>
+          <p:nvPr>
+            <p:ph type="dt" sz="half" idx="10"/>
+          </p:nvPr>
+        </p:nvSpPr>
+        <p:spPr/>
+        <p:txBody>
+          <a:bodyPr/>
+          <a:lstStyle/>
+          <a:p>
+            <a:fld id="{2D4EDF76-AFDA-4902-A8BF-E9111F2E6135}" type="datetimeFigureOut">
+              <a:rPr lang="zh-CN" altLang="en-US" smtClean="0"/>
+              <a:t>2021/8/6</a:t>
+            </a:fld>
+            <a:endParaRPr lang="zh-CN" altLang="en-US"/>
+          </a:p>
+        </p:txBody>
+      </p:sp>
+      <p:sp>
+        <p:nvSpPr>
+          <p:cNvPr id="3" name="页脚占位符 2">
+            <a:extLst>
+              <a:ext uri="{FF2B5EF4-FFF2-40B4-BE49-F238E27FC236}">
+                <a16:creationId xmlns:a16="http://schemas.microsoft.com/office/drawing/2014/main" id="{BE5F9970-1009-46D8-BBEF-43A3267D8538}"/>
+              </a:ext>
+            </a:extLst>
+          </p:cNvPr>
+          <p:cNvSpPr>
+            <a:spLocks noGrp="1"/>
+          </p:cNvSpPr>
+          <p:nvPr>
+            <p:ph type="ftr" sz="quarter" idx="11"/>
+          </p:nvPr>
+        </p:nvSpPr>
+        <p:spPr/>
+        <p:txBody>
+          <a:bodyPr/>
+          <a:lstStyle/>
+          <a:p>
+            <a:endParaRPr lang="zh-CN" altLang="en-US"/>
+          </a:p>
+        </p:txBody>
+      </p:sp>
+      <p:sp>
+        <p:nvSpPr>
+          <p:cNvPr id="4" name="灯片编号占位符 3">
+            <a:extLst>
+              <a:ext uri="{FF2B5EF4-FFF2-40B4-BE49-F238E27FC236}">
+                <a16:creationId xmlns:a16="http://schemas.microsoft.com/office/drawing/2014/main" id="{3DAE9F2E-05EE-4145-9E25-7008F9765AD2}"/>
+              </a:ext>
+            </a:extLst>
+          </p:cNvPr>
+          <p:cNvSpPr>
+            <a:spLocks noGrp="1"/>
+          </p:cNvSpPr>
+          <p:nvPr>
+            <p:ph type="sldNum" sz="quarter" idx="12"/>
+          </p:nvPr>
+        </p:nvSpPr>
+        <p:spPr/>
+        <p:txBody>
+          <a:bodyPr/>
+          <a:lstStyle/>
+          <a:p>
+            <a:fld id="{FD3A8BAC-E227-4A3E-A138-C06560006370}" type="slidenum">
+              <a:rPr lang="zh-CN" altLang="en-US" smtClean="0"/>
+              <a:t>‹#›</a:t>
+            </a:fld>
+            <a:endParaRPr lang="zh-CN" altLang="en-US"/>
+          </a:p>
+        </p:txBody>
+      </p:sp>
+    </p:spTree>
+    <p:extLst>
+      <p:ext uri="{BB962C8B-B14F-4D97-AF65-F5344CB8AC3E}">
+        <p14:creationId xmlns:p14="http://schemas.microsoft.com/office/powerpoint/2010/main" val="1200687936"/>
+      </p:ext>
+    </p:extLst>
+  </p:cSld>
+  <p:clrMapOvr>
+    <a:masterClrMapping/>
+  </p:clrMapOvr>
+</p:sldLayout>
+</file>
+
+<file path=ppt/slideLayouts/slideLayout8.xml><?xml version="1.0" encoding="utf-8"?>
+<p:sldLayout xmlns:a="http://schemas.openxmlformats.org/drawingml/2006/main" xmlns:r="http://schemas.openxmlformats.org/officeDocument/2006/relationships" xmlns:p="http://schemas.openxmlformats.org/presentationml/2006/main" type="objTx" preserve="1">
+  <p:cSld name="内容与标题">
+    <p:spTree>
+      <p:nvGrpSpPr>
+        <p:cNvPr id="1" name=""/>
+        <p:cNvGrpSpPr/>
+        <p:nvPr/>
+      </p:nvGrpSpPr>
+      <p:grpSpPr>
+        <a:xfrm>
+          <a:off x="0" y="0"/>
+          <a:ext cx="0" cy="0"/>
+          <a:chOff x="0" y="0"/>
+          <a:chExt cx="0" cy="0"/>
+        </a:xfrm>
+      </p:grpSpPr>
+      <p:sp>
+        <p:nvSpPr>
+          <p:cNvPr id="2" name="标题 1">
+            <a:extLst>
+              <a:ext uri="{FF2B5EF4-FFF2-40B4-BE49-F238E27FC236}">
+                <a16:creationId xmlns:a16="http://schemas.microsoft.com/office/drawing/2014/main" id="{7B27DE92-DE7D-4B03-A139-B436A2F2FB0A}"/>
+              </a:ext>
+            </a:extLst>
+          </p:cNvPr>
+          <p:cNvSpPr>
+            <a:spLocks noGrp="1"/>
+          </p:cNvSpPr>
+          <p:nvPr>
+            <p:ph type="title"/>
+          </p:nvPr>
+        </p:nvSpPr>
+        <p:spPr>
+          <a:xfrm>
+            <a:off x="839788" y="457200"/>
+            <a:ext cx="3932237" cy="1600200"/>
+          </a:xfrm>
+        </p:spPr>
+        <p:txBody>
+          <a:bodyPr anchor="b"/>
+          <a:lstStyle>
+            <a:lvl1pPr>
+              <a:defRPr sz="3200"/>
+            </a:lvl1pPr>
+          </a:lstStyle>
+          <a:p>
+            <a:r>
+              <a:rPr lang="zh-CN" altLang="en-US"/>
+              <a:t>单击此处编辑母版标题样式</a:t>
+            </a:r>
+          </a:p>
+        </p:txBody>
+      </p:sp>
+      <p:sp>
+        <p:nvSpPr>
+          <p:cNvPr id="3" name="内容占位符 2">
+            <a:extLst>
+              <a:ext uri="{FF2B5EF4-FFF2-40B4-BE49-F238E27FC236}">
+                <a16:creationId xmlns:a16="http://schemas.microsoft.com/office/drawing/2014/main" id="{F94F4050-D591-4612-90D1-F3403868505C}"/>
+              </a:ext>
+            </a:extLst>
+          </p:cNvPr>
+          <p:cNvSpPr>
+            <a:spLocks noGrp="1"/>
+          </p:cNvSpPr>
+          <p:nvPr>
+            <p:ph idx="1"/>
+          </p:nvPr>
+        </p:nvSpPr>
+        <p:spPr>
+          <a:xfrm>
+            <a:off x="5183188" y="987425"/>
+            <a:ext cx="6172200" cy="4873625"/>
+          </a:xfrm>
+        </p:spPr>
+        <p:txBody>
+          <a:bodyPr/>
+          <a:lstStyle>
+            <a:lvl1pPr>
+              <a:defRPr sz="3200"/>
+            </a:lvl1pPr>
+            <a:lvl2pPr>
+              <a:defRPr sz="2800"/>
+            </a:lvl2pPr>
+            <a:lvl3pPr>
+              <a:defRPr sz="2400"/>
+            </a:lvl3pPr>
+            <a:lvl4pPr>
+              <a:defRPr sz="2000"/>
+            </a:lvl4pPr>
+            <a:lvl5pPr>
+              <a:defRPr sz="2000"/>
+            </a:lvl5pPr>
+            <a:lvl6pPr>
+              <a:defRPr sz="2000"/>
+            </a:lvl6pPr>
+            <a:lvl7pPr>
+              <a:defRPr sz="2000"/>
+            </a:lvl7pPr>
+            <a:lvl8pPr>
+              <a:defRPr sz="2000"/>
+            </a:lvl8pPr>
+            <a:lvl9pPr>
+              <a:defRPr sz="2000"/>
+            </a:lvl9pPr>
+          </a:lstStyle>
+          <a:p>
+            <a:pPr lvl="0"/>
+            <a:r>
+              <a:rPr lang="zh-CN" altLang="en-US"/>
+              <a:t>单击此处编辑母版文本样式</a:t>
+            </a:r>
+          </a:p>
+          <a:p>
+            <a:pPr lvl="1"/>
+            <a:r>
+              <a:rPr lang="zh-CN" altLang="en-US"/>
+              <a:t>二级</a:t>
+            </a:r>
+          </a:p>
+          <a:p>
+            <a:pPr lvl="2"/>
+            <a:r>
+              <a:rPr lang="zh-CN" altLang="en-US"/>
+              <a:t>三级</a:t>
+            </a:r>
+          </a:p>
+          <a:p>
+            <a:pPr lvl="3"/>
+            <a:r>
+              <a:rPr lang="zh-CN" altLang="en-US"/>
+              <a:t>四级</a:t>
+            </a:r>
+          </a:p>
+          <a:p>
+            <a:pPr lvl="4"/>
+            <a:r>
+              <a:rPr lang="zh-CN" altLang="en-US"/>
+              <a:t>五级</a:t>
+            </a:r>
+          </a:p>
+        </p:txBody>
+      </p:sp>
+      <p:sp>
+        <p:nvSpPr>
+          <p:cNvPr id="4" name="文本占位符 3">
+            <a:extLst>
+              <a:ext uri="{FF2B5EF4-FFF2-40B4-BE49-F238E27FC236}">
+                <a16:creationId xmlns:a16="http://schemas.microsoft.com/office/drawing/2014/main" id="{0C4386E9-5177-4634-8FA1-D6D38E24C432}"/>
+              </a:ext>
+            </a:extLst>
+          </p:cNvPr>
+          <p:cNvSpPr>
+            <a:spLocks noGrp="1"/>
+          </p:cNvSpPr>
+          <p:nvPr>
+            <p:ph type="body" sz="half" idx="2"/>
+          </p:nvPr>
+        </p:nvSpPr>
+        <p:spPr>
+          <a:xfrm>
+            <a:off x="839788" y="2057400"/>
+            <a:ext cx="3932237" cy="3811588"/>
+          </a:xfrm>
+        </p:spPr>
+        <p:txBody>
+          <a:bodyPr/>
+          <a:lstStyle>
+            <a:lvl1pPr marL="0" indent="0">
+              <a:buNone/>
+              <a:defRPr sz="1600"/>
+            </a:lvl1pPr>
+            <a:lvl2pPr marL="457200" indent="0">
+              <a:buNone/>
+              <a:defRPr sz="1400"/>
+            </a:lvl2pPr>
+            <a:lvl3pPr marL="914400" indent="0">
+              <a:buNone/>
+              <a:defRPr sz="1200"/>
+            </a:lvl3pPr>
+            <a:lvl4pPr marL="1371600" indent="0">
+              <a:buNone/>
+              <a:defRPr sz="1000"/>
+            </a:lvl4pPr>
+            <a:lvl5pPr marL="1828800" indent="0">
+              <a:buNone/>
+              <a:defRPr sz="1000"/>
+            </a:lvl5pPr>
+            <a:lvl6pPr marL="2286000" indent="0">
+              <a:buNone/>
+              <a:defRPr sz="1000"/>
+            </a:lvl6pPr>
+            <a:lvl7pPr marL="2743200" indent="0">
+              <a:buNone/>
+              <a:defRPr sz="1000"/>
+            </a:lvl7pPr>
+            <a:lvl8pPr marL="3200400" indent="0">
+              <a:buNone/>
+              <a:defRPr sz="1000"/>
+            </a:lvl8pPr>
+            <a:lvl9pPr marL="3657600" indent="0">
+              <a:buNone/>
+              <a:defRPr sz="1000"/>
+            </a:lvl9pPr>
+          </a:lstStyle>
+          <a:p>
+            <a:pPr lvl="0"/>
+            <a:r>
+              <a:rPr lang="zh-CN" altLang="en-US"/>
+              <a:t>单击此处编辑母版文本样式</a:t>
+            </a:r>
+          </a:p>
+        </p:txBody>
+      </p:sp>
+      <p:sp>
+        <p:nvSpPr>
+          <p:cNvPr id="5" name="日期占位符 4">
+            <a:extLst>
+              <a:ext uri="{FF2B5EF4-FFF2-40B4-BE49-F238E27FC236}">
+                <a16:creationId xmlns:a16="http://schemas.microsoft.com/office/drawing/2014/main" id="{300CAD2C-BE48-4C87-8434-6C89A0D1A8A7}"/>
+              </a:ext>
+            </a:extLst>
+          </p:cNvPr>
+          <p:cNvSpPr>
+            <a:spLocks noGrp="1"/>
+          </p:cNvSpPr>
+          <p:nvPr>
+            <p:ph type="dt" sz="half" idx="10"/>
+          </p:nvPr>
+        </p:nvSpPr>
+        <p:spPr/>
+        <p:txBody>
+          <a:bodyPr/>
+          <a:lstStyle/>
+          <a:p>
+            <a:fld id="{2D4EDF76-AFDA-4902-A8BF-E9111F2E6135}" type="datetimeFigureOut">
+              <a:rPr lang="zh-CN" altLang="en-US" smtClean="0"/>
+              <a:t>2021/8/6</a:t>
+            </a:fld>
+            <a:endParaRPr lang="zh-CN" altLang="en-US"/>
+          </a:p>
+        </p:txBody>
+      </p:sp>
+      <p:sp>
+        <p:nvSpPr>
+          <p:cNvPr id="6" name="页脚占位符 5">
+            <a:extLst>
+              <a:ext uri="{FF2B5EF4-FFF2-40B4-BE49-F238E27FC236}">
+                <a16:creationId xmlns:a16="http://schemas.microsoft.com/office/drawing/2014/main" id="{B5DCBF7E-2B99-4448-863E-8204879E6AE6}"/>
+              </a:ext>
+            </a:extLst>
+          </p:cNvPr>
+          <p:cNvSpPr>
+            <a:spLocks noGrp="1"/>
+          </p:cNvSpPr>
+          <p:nvPr>
+            <p:ph type="ftr" sz="quarter" idx="11"/>
+          </p:nvPr>
+        </p:nvSpPr>
+        <p:spPr/>
+        <p:txBody>
+          <a:bodyPr/>
+          <a:lstStyle/>
+          <a:p>
+            <a:endParaRPr lang="zh-CN" altLang="en-US"/>
+          </a:p>
+        </p:txBody>
+      </p:sp>
+      <p:sp>
+        <p:nvSpPr>
+          <p:cNvPr id="7" name="灯片编号占位符 6">
+            <a:extLst>
+              <a:ext uri="{FF2B5EF4-FFF2-40B4-BE49-F238E27FC236}">
+                <a16:creationId xmlns:a16="http://schemas.microsoft.com/office/drawing/2014/main" id="{3B95AC43-A83E-47E2-ABE1-4E08834C6E29}"/>
+              </a:ext>
+            </a:extLst>
+          </p:cNvPr>
+          <p:cNvSpPr>
+            <a:spLocks noGrp="1"/>
+          </p:cNvSpPr>
+          <p:nvPr>
+            <p:ph type="sldNum" sz="quarter" idx="12"/>
+          </p:nvPr>
+        </p:nvSpPr>
+        <p:spPr/>
+        <p:txBody>
+          <a:bodyPr/>
+          <a:lstStyle/>
+          <a:p>
+            <a:fld id="{FD3A8BAC-E227-4A3E-A138-C06560006370}" type="slidenum">
+              <a:rPr lang="zh-CN" altLang="en-US" smtClean="0"/>
+              <a:t>‹#›</a:t>
+            </a:fld>
+            <a:endParaRPr lang="zh-CN" altLang="en-US"/>
+          </a:p>
+        </p:txBody>
+      </p:sp>
+    </p:spTree>
+    <p:extLst>
+      <p:ext uri="{BB962C8B-B14F-4D97-AF65-F5344CB8AC3E}">
+        <p14:creationId xmlns:p14="http://schemas.microsoft.com/office/powerpoint/2010/main" val="3140362157"/>
+      </p:ext>
+    </p:extLst>
+  </p:cSld>
+  <p:clrMapOvr>
+    <a:masterClrMapping/>
+  </p:clrMapOvr>
+</p:sldLayout>
+</file>
+
+<file path=ppt/slideLayouts/slideLayout9.xml><?xml version="1.0" encoding="utf-8"?>
+<p:sldLayout xmlns:a="http://schemas.openxmlformats.org/drawingml/2006/main" xmlns:r="http://schemas.openxmlformats.org/officeDocument/2006/relationships" xmlns:p="http://schemas.openxmlformats.org/presentationml/2006/main" type="picTx" preserve="1">
+  <p:cSld name="图片与标题">
+    <p:spTree>
+      <p:nvGrpSpPr>
+        <p:cNvPr id="1" name=""/>
+        <p:cNvGrpSpPr/>
+        <p:nvPr/>
+      </p:nvGrpSpPr>
+      <p:grpSpPr>
+        <a:xfrm>
+          <a:off x="0" y="0"/>
+          <a:ext cx="0" cy="0"/>
+          <a:chOff x="0" y="0"/>
+          <a:chExt cx="0" cy="0"/>
+        </a:xfrm>
+      </p:grpSpPr>
+      <p:sp>
+        <p:nvSpPr>
+          <p:cNvPr id="2" name="标题 1">
+            <a:extLst>
+              <a:ext uri="{FF2B5EF4-FFF2-40B4-BE49-F238E27FC236}">
+                <a16:creationId xmlns:a16="http://schemas.microsoft.com/office/drawing/2014/main" id="{DA8EF670-06CD-42B8-9214-D5DA031AEFD6}"/>
+              </a:ext>
+            </a:extLst>
+          </p:cNvPr>
+          <p:cNvSpPr>
+            <a:spLocks noGrp="1"/>
+          </p:cNvSpPr>
+          <p:nvPr>
+            <p:ph type="title"/>
+          </p:nvPr>
+        </p:nvSpPr>
+        <p:spPr>
+          <a:xfrm>
+            <a:off x="839788" y="457200"/>
+            <a:ext cx="3932237" cy="1600200"/>
+          </a:xfrm>
+        </p:spPr>
+        <p:txBody>
+          <a:bodyPr anchor="b"/>
+          <a:lstStyle>
+            <a:lvl1pPr>
+              <a:defRPr sz="3200"/>
+            </a:lvl1pPr>
+          </a:lstStyle>
+          <a:p>
+            <a:r>
+              <a:rPr lang="zh-CN" altLang="en-US"/>
+              <a:t>单击此处编辑母版标题样式</a:t>
+            </a:r>
+          </a:p>
+        </p:txBody>
+      </p:sp>
+      <p:sp>
+        <p:nvSpPr>
+          <p:cNvPr id="3" name="图片占位符 2">
+            <a:extLst>
+              <a:ext uri="{FF2B5EF4-FFF2-40B4-BE49-F238E27FC236}">
+                <a16:creationId xmlns:a16="http://schemas.microsoft.com/office/drawing/2014/main" id="{6896A361-C2D1-44BA-ACB7-B2A483641920}"/>
+              </a:ext>
+            </a:extLst>
+          </p:cNvPr>
+          <p:cNvSpPr>
+            <a:spLocks noGrp="1"/>
+          </p:cNvSpPr>
+          <p:nvPr>
+            <p:ph type="pic" idx="1"/>
+          </p:nvPr>
+        </p:nvSpPr>
+        <p:spPr>
+          <a:xfrm>
+            <a:off x="5183188" y="987425"/>
+            <a:ext cx="6172200" cy="4873625"/>
+          </a:xfrm>
+        </p:spPr>
+        <p:txBody>
+          <a:bodyPr/>
+          <a:lstStyle>
+            <a:lvl1pPr marL="0" indent="0">
+              <a:buNone/>
+              <a:defRPr sz="3200"/>
+            </a:lvl1pPr>
+            <a:lvl2pPr marL="457200" indent="0">
+              <a:buNone/>
+              <a:defRPr sz="2800"/>
+            </a:lvl2pPr>
+            <a:lvl3pPr marL="914400" indent="0">
+              <a:buNone/>
+              <a:defRPr sz="2400"/>
+            </a:lvl3pPr>
+            <a:lvl4pPr marL="1371600" indent="0">
+              <a:buNone/>
+              <a:defRPr sz="2000"/>
+            </a:lvl4pPr>
+            <a:lvl5pPr marL="1828800" indent="0">
+              <a:buNone/>
+              <a:defRPr sz="2000"/>
+            </a:lvl5pPr>
+            <a:lvl6pPr marL="2286000" indent="0">
+              <a:buNone/>
+              <a:defRPr sz="2000"/>
+            </a:lvl6pPr>
+            <a:lvl7pPr marL="2743200" indent="0">
+              <a:buNone/>
+              <a:defRPr sz="2000"/>
+            </a:lvl7pPr>
+            <a:lvl8pPr marL="3200400" indent="0">
+              <a:buNone/>
+              <a:defRPr sz="2000"/>
+            </a:lvl8pPr>
+            <a:lvl9pPr marL="3657600" indent="0">
+              <a:buNone/>
+              <a:defRPr sz="2000"/>
+            </a:lvl9pPr>
+          </a:lstStyle>
+          <a:p>
+            <a:endParaRPr lang="zh-CN" altLang="en-US"/>
+          </a:p>
+        </p:txBody>
+      </p:sp>
+      <p:sp>
+        <p:nvSpPr>
+          <p:cNvPr id="4" name="文本占位符 3">
+            <a:extLst>
+              <a:ext uri="{FF2B5EF4-FFF2-40B4-BE49-F238E27FC236}">
+                <a16:creationId xmlns:a16="http://schemas.microsoft.com/office/drawing/2014/main" id="{8B2C77B2-E2A4-4586-B5FE-8BA4008F5910}"/>
+              </a:ext>
+            </a:extLst>
+          </p:cNvPr>
+          <p:cNvSpPr>
+            <a:spLocks noGrp="1"/>
+          </p:cNvSpPr>
+          <p:nvPr>
+            <p:ph type="body" sz="half" idx="2"/>
+          </p:nvPr>
+        </p:nvSpPr>
+        <p:spPr>
+          <a:xfrm>
+            <a:off x="839788" y="2057400"/>
+            <a:ext cx="3932237" cy="3811588"/>
+          </a:xfrm>
+        </p:spPr>
+        <p:txBody>
+          <a:bodyPr/>
+          <a:lstStyle>
+            <a:lvl1pPr marL="0" indent="0">
+              <a:buNone/>
+              <a:defRPr sz="1600"/>
+            </a:lvl1pPr>
+            <a:lvl2pPr marL="457200" indent="0">
+              <a:buNone/>
+              <a:defRPr sz="1400"/>
+            </a:lvl2pPr>
+            <a:lvl3pPr marL="914400" indent="0">
+              <a:buNone/>
+              <a:defRPr sz="1200"/>
+            </a:lvl3pPr>
+            <a:lvl4pPr marL="1371600" indent="0">
+              <a:buNone/>
+              <a:defRPr sz="1000"/>
+            </a:lvl4pPr>
+            <a:lvl5pPr marL="1828800" indent="0">
+              <a:buNone/>
+              <a:defRPr sz="1000"/>
+            </a:lvl5pPr>
+            <a:lvl6pPr marL="2286000" indent="0">
+              <a:buNone/>
+              <a:defRPr sz="1000"/>
+            </a:lvl6pPr>
+            <a:lvl7pPr marL="2743200" indent="0">
+              <a:buNone/>
+              <a:defRPr sz="1000"/>
+            </a:lvl7pPr>
+            <a:lvl8pPr marL="3200400" indent="0">
+              <a:buNone/>
+              <a:defRPr sz="1000"/>
+            </a:lvl8pPr>
+            <a:lvl9pPr marL="3657600" indent="0">
+              <a:buNone/>
+              <a:defRPr sz="1000"/>
+            </a:lvl9pPr>
+          </a:lstStyle>
+          <a:p>
+            <a:pPr lvl="0"/>
+            <a:r>
+              <a:rPr lang="zh-CN" altLang="en-US"/>
+              <a:t>单击此处编辑母版文本样式</a:t>
+            </a:r>
+          </a:p>
+        </p:txBody>
+      </p:sp>
+      <p:sp>
+        <p:nvSpPr>
+          <p:cNvPr id="5" name="日期占位符 4">
+            <a:extLst>
+              <a:ext uri="{FF2B5EF4-FFF2-40B4-BE49-F238E27FC236}">
+                <a16:creationId xmlns:a16="http://schemas.microsoft.com/office/drawing/2014/main" id="{539D4FE9-82AB-4FC7-AF56-F77D6D1635B2}"/>
+              </a:ext>
+            </a:extLst>
+          </p:cNvPr>
+          <p:cNvSpPr>
+            <a:spLocks noGrp="1"/>
+          </p:cNvSpPr>
+          <p:nvPr>
+            <p:ph type="dt" sz="half" idx="10"/>
+          </p:nvPr>
+        </p:nvSpPr>
+        <p:spPr/>
+        <p:txBody>
+          <a:bodyPr/>
+          <a:lstStyle/>
+          <a:p>
+            <a:fld id="{2D4EDF76-AFDA-4902-A8BF-E9111F2E6135}" type="datetimeFigureOut">
+              <a:rPr lang="zh-CN" altLang="en-US" smtClean="0"/>
+              <a:t>2021/8/6</a:t>
+            </a:fld>
+            <a:endParaRPr lang="zh-CN" altLang="en-US"/>
+          </a:p>
+        </p:txBody>
+      </p:sp>
+      <p:sp>
+        <p:nvSpPr>
+          <p:cNvPr id="6" name="页脚占位符 5">
+            <a:extLst>
+              <a:ext uri="{FF2B5EF4-FFF2-40B4-BE49-F238E27FC236}">
+                <a16:creationId xmlns:a16="http://schemas.microsoft.com/office/drawing/2014/main" id="{4135AF2F-98D3-4764-9497-861F87758F6C}"/>
+              </a:ext>
+            </a:extLst>
+          </p:cNvPr>
+          <p:cNvSpPr>
+            <a:spLocks noGrp="1"/>
+          </p:cNvSpPr>
+          <p:nvPr>
+            <p:ph type="ftr" sz="quarter" idx="11"/>
+          </p:nvPr>
+        </p:nvSpPr>
+        <p:spPr/>
+        <p:txBody>
+          <a:bodyPr/>
+          <a:lstStyle/>
+          <a:p>
+            <a:endParaRPr lang="zh-CN" altLang="en-US"/>
+          </a:p>
+        </p:txBody>
+      </p:sp>
+      <p:sp>
+        <p:nvSpPr>
+          <p:cNvPr id="7" name="灯片编号占位符 6">
+            <a:extLst>
+              <a:ext uri="{FF2B5EF4-FFF2-40B4-BE49-F238E27FC236}">
+                <a16:creationId xmlns:a16="http://schemas.microsoft.com/office/drawing/2014/main" id="{8C1ED659-8DF3-45B3-AEE9-566A0752B0F5}"/>
+              </a:ext>
+            </a:extLst>
+          </p:cNvPr>
+          <p:cNvSpPr>
+            <a:spLocks noGrp="1"/>
+          </p:cNvSpPr>
+          <p:nvPr>
+            <p:ph type="sldNum" sz="quarter" idx="12"/>
+          </p:nvPr>
+        </p:nvSpPr>
+        <p:spPr/>
+        <p:txBody>
+          <a:bodyPr/>
+          <a:lstStyle/>
+          <a:p>
+            <a:fld id="{FD3A8BAC-E227-4A3E-A138-C06560006370}" type="slidenum">
+              <a:rPr lang="zh-CN" altLang="en-US" smtClean="0"/>
+              <a:t>‹#›</a:t>
+            </a:fld>
+            <a:endParaRPr lang="zh-CN" altLang="en-US"/>
+          </a:p>
+        </p:txBody>
+      </p:sp>
+    </p:spTree>
+    <p:extLst>
+      <p:ext uri="{BB962C8B-B14F-4D97-AF65-F5344CB8AC3E}">
+        <p14:creationId xmlns:p14="http://schemas.microsoft.com/office/powerpoint/2010/main" val="3479188860"/>
       </p:ext>
     </p:extLst>
   </p:cSld>
@@ -164,16 +2758,268 @@
           <a:chExt cx="0" cy="0"/>
         </a:xfrm>
       </p:grpSpPr>
+      <p:sp>
+        <p:nvSpPr>
+          <p:cNvPr id="2" name="标题占位符 1">
+            <a:extLst>
+              <a:ext uri="{FF2B5EF4-FFF2-40B4-BE49-F238E27FC236}">
+                <a16:creationId xmlns:a16="http://schemas.microsoft.com/office/drawing/2014/main" id="{1581FF8A-4381-45E0-85C7-26D09DA1608A}"/>
+              </a:ext>
+            </a:extLst>
+          </p:cNvPr>
+          <p:cNvSpPr>
+            <a:spLocks noGrp="1"/>
+          </p:cNvSpPr>
+          <p:nvPr>
+            <p:ph type="title"/>
+          </p:nvPr>
+        </p:nvSpPr>
+        <p:spPr>
+          <a:xfrm>
+            <a:off x="838200" y="365125"/>
+            <a:ext cx="10515600" cy="1325563"/>
+          </a:xfrm>
+          <a:prstGeom prst="rect">
+            <a:avLst/>
+          </a:prstGeom>
+        </p:spPr>
+        <p:txBody>
+          <a:bodyPr vert="horz" lIns="91440" tIns="45720" rIns="91440" bIns="45720" rtlCol="0" anchor="ctr">
+            <a:normAutofit/>
+          </a:bodyPr>
+          <a:lstStyle/>
+          <a:p>
+            <a:r>
+              <a:rPr lang="zh-CN" altLang="en-US"/>
+              <a:t>单击此处编辑母版标题样式</a:t>
+            </a:r>
+          </a:p>
+        </p:txBody>
+      </p:sp>
+      <p:sp>
+        <p:nvSpPr>
+          <p:cNvPr id="3" name="文本占位符 2">
+            <a:extLst>
+              <a:ext uri="{FF2B5EF4-FFF2-40B4-BE49-F238E27FC236}">
+                <a16:creationId xmlns:a16="http://schemas.microsoft.com/office/drawing/2014/main" id="{D5762B68-A6C6-45D3-A072-CC08F7AEB542}"/>
+              </a:ext>
+            </a:extLst>
+          </p:cNvPr>
+          <p:cNvSpPr>
+            <a:spLocks noGrp="1"/>
+          </p:cNvSpPr>
+          <p:nvPr>
+            <p:ph type="body" idx="1"/>
+          </p:nvPr>
+        </p:nvSpPr>
+        <p:spPr>
+          <a:xfrm>
+            <a:off x="838200" y="1825625"/>
+            <a:ext cx="10515600" cy="4351338"/>
+          </a:xfrm>
+          <a:prstGeom prst="rect">
+            <a:avLst/>
+          </a:prstGeom>
+        </p:spPr>
+        <p:txBody>
+          <a:bodyPr vert="horz" lIns="91440" tIns="45720" rIns="91440" bIns="45720" rtlCol="0">
+            <a:normAutofit/>
+          </a:bodyPr>
+          <a:lstStyle/>
+          <a:p>
+            <a:pPr lvl="0"/>
+            <a:r>
+              <a:rPr lang="zh-CN" altLang="en-US"/>
+              <a:t>单击此处编辑母版文本样式</a:t>
+            </a:r>
+          </a:p>
+          <a:p>
+            <a:pPr lvl="1"/>
+            <a:r>
+              <a:rPr lang="zh-CN" altLang="en-US"/>
+              <a:t>二级</a:t>
+            </a:r>
+          </a:p>
+          <a:p>
+            <a:pPr lvl="2"/>
+            <a:r>
+              <a:rPr lang="zh-CN" altLang="en-US"/>
+              <a:t>三级</a:t>
+            </a:r>
+          </a:p>
+          <a:p>
+            <a:pPr lvl="3"/>
+            <a:r>
+              <a:rPr lang="zh-CN" altLang="en-US"/>
+              <a:t>四级</a:t>
+            </a:r>
+          </a:p>
+          <a:p>
+            <a:pPr lvl="4"/>
+            <a:r>
+              <a:rPr lang="zh-CN" altLang="en-US"/>
+              <a:t>五级</a:t>
+            </a:r>
+          </a:p>
+        </p:txBody>
+      </p:sp>
+      <p:sp>
+        <p:nvSpPr>
+          <p:cNvPr id="4" name="日期占位符 3">
+            <a:extLst>
+              <a:ext uri="{FF2B5EF4-FFF2-40B4-BE49-F238E27FC236}">
+                <a16:creationId xmlns:a16="http://schemas.microsoft.com/office/drawing/2014/main" id="{20881C80-C886-418C-8C75-28B620D58BE7}"/>
+              </a:ext>
+            </a:extLst>
+          </p:cNvPr>
+          <p:cNvSpPr>
+            <a:spLocks noGrp="1"/>
+          </p:cNvSpPr>
+          <p:nvPr>
+            <p:ph type="dt" sz="half" idx="2"/>
+          </p:nvPr>
+        </p:nvSpPr>
+        <p:spPr>
+          <a:xfrm>
+            <a:off x="838200" y="6356350"/>
+            <a:ext cx="2743200" cy="365125"/>
+          </a:xfrm>
+          <a:prstGeom prst="rect">
+            <a:avLst/>
+          </a:prstGeom>
+        </p:spPr>
+        <p:txBody>
+          <a:bodyPr vert="horz" lIns="91440" tIns="45720" rIns="91440" bIns="45720" rtlCol="0" anchor="ctr"/>
+          <a:lstStyle>
+            <a:lvl1pPr algn="l">
+              <a:defRPr sz="1200">
+                <a:solidFill>
+                  <a:schemeClr val="tx1">
+                    <a:tint val="75000"/>
+                  </a:schemeClr>
+                </a:solidFill>
+              </a:defRPr>
+            </a:lvl1pPr>
+          </a:lstStyle>
+          <a:p>
+            <a:fld id="{2D4EDF76-AFDA-4902-A8BF-E9111F2E6135}" type="datetimeFigureOut">
+              <a:rPr lang="zh-CN" altLang="en-US" smtClean="0"/>
+              <a:t>2021/8/6</a:t>
+            </a:fld>
+            <a:endParaRPr lang="zh-CN" altLang="en-US"/>
+          </a:p>
+        </p:txBody>
+      </p:sp>
+      <p:sp>
+        <p:nvSpPr>
+          <p:cNvPr id="5" name="页脚占位符 4">
+            <a:extLst>
+              <a:ext uri="{FF2B5EF4-FFF2-40B4-BE49-F238E27FC236}">
+                <a16:creationId xmlns:a16="http://schemas.microsoft.com/office/drawing/2014/main" id="{197D4F7C-2457-46E0-88FB-446B04C080DE}"/>
+              </a:ext>
+            </a:extLst>
+          </p:cNvPr>
+          <p:cNvSpPr>
+            <a:spLocks noGrp="1"/>
+          </p:cNvSpPr>
+          <p:nvPr>
+            <p:ph type="ftr" sz="quarter" idx="3"/>
+          </p:nvPr>
+        </p:nvSpPr>
+        <p:spPr>
+          <a:xfrm>
+            <a:off x="4038600" y="6356350"/>
+            <a:ext cx="4114800" cy="365125"/>
+          </a:xfrm>
+          <a:prstGeom prst="rect">
+            <a:avLst/>
+          </a:prstGeom>
+        </p:spPr>
+        <p:txBody>
+          <a:bodyPr vert="horz" lIns="91440" tIns="45720" rIns="91440" bIns="45720" rtlCol="0" anchor="ctr"/>
+          <a:lstStyle>
+            <a:lvl1pPr algn="ctr">
+              <a:defRPr sz="1200">
+                <a:solidFill>
+                  <a:schemeClr val="tx1">
+                    <a:tint val="75000"/>
+                  </a:schemeClr>
+                </a:solidFill>
+              </a:defRPr>
+            </a:lvl1pPr>
+          </a:lstStyle>
+          <a:p>
+            <a:endParaRPr lang="zh-CN" altLang="en-US"/>
+          </a:p>
+        </p:txBody>
+      </p:sp>
+      <p:sp>
+        <p:nvSpPr>
+          <p:cNvPr id="6" name="灯片编号占位符 5">
+            <a:extLst>
+              <a:ext uri="{FF2B5EF4-FFF2-40B4-BE49-F238E27FC236}">
+                <a16:creationId xmlns:a16="http://schemas.microsoft.com/office/drawing/2014/main" id="{8642BC9C-7D43-416C-9E8F-777802E5F20C}"/>
+              </a:ext>
+            </a:extLst>
+          </p:cNvPr>
+          <p:cNvSpPr>
+            <a:spLocks noGrp="1"/>
+          </p:cNvSpPr>
+          <p:nvPr>
+            <p:ph type="sldNum" sz="quarter" idx="4"/>
+          </p:nvPr>
+        </p:nvSpPr>
+        <p:spPr>
+          <a:xfrm>
+            <a:off x="8610600" y="6356350"/>
+            <a:ext cx="2743200" cy="365125"/>
+          </a:xfrm>
+          <a:prstGeom prst="rect">
+            <a:avLst/>
+          </a:prstGeom>
+        </p:spPr>
+        <p:txBody>
+          <a:bodyPr vert="horz" lIns="91440" tIns="45720" rIns="91440" bIns="45720" rtlCol="0" anchor="ctr"/>
+          <a:lstStyle>
+            <a:lvl1pPr algn="r">
+              <a:defRPr sz="1200">
+                <a:solidFill>
+                  <a:schemeClr val="tx1">
+                    <a:tint val="75000"/>
+                  </a:schemeClr>
+                </a:solidFill>
+              </a:defRPr>
+            </a:lvl1pPr>
+          </a:lstStyle>
+          <a:p>
+            <a:fld id="{FD3A8BAC-E227-4A3E-A138-C06560006370}" type="slidenum">
+              <a:rPr lang="zh-CN" altLang="en-US" smtClean="0"/>
+              <a:t>‹#›</a:t>
+            </a:fld>
+            <a:endParaRPr lang="zh-CN" altLang="en-US"/>
+          </a:p>
+        </p:txBody>
+      </p:sp>
     </p:spTree>
     <p:extLst>
       <p:ext uri="{BB962C8B-B14F-4D97-AF65-F5344CB8AC3E}">
-        <p14:creationId xmlns:p14="http://schemas.microsoft.com/office/powerpoint/2010/main" val="1333735316"/>
+        <p14:creationId xmlns:p14="http://schemas.microsoft.com/office/powerpoint/2010/main" val="2176447423"/>
       </p:ext>
     </p:extLst>
   </p:cSld>
   <p:clrMap bg1="lt1" tx1="dk1" bg2="lt2" tx2="dk2" accent1="accent1" accent2="accent2" accent3="accent3" accent4="accent4" accent5="accent5" accent6="accent6" hlink="hlink" folHlink="folHlink"/>
   <p:sldLayoutIdLst>
     <p:sldLayoutId id="2147483649" r:id="rId1"/>
+    <p:sldLayoutId id="2147483650" r:id="rId2"/>
+    <p:sldLayoutId id="2147483651" r:id="rId3"/>
+    <p:sldLayoutId id="2147483652" r:id="rId4"/>
+    <p:sldLayoutId id="2147483653" r:id="rId5"/>
+    <p:sldLayoutId id="2147483654" r:id="rId6"/>
+    <p:sldLayoutId id="2147483655" r:id="rId7"/>
+    <p:sldLayoutId id="2147483656" r:id="rId8"/>
+    <p:sldLayoutId id="2147483657" r:id="rId9"/>
+    <p:sldLayoutId id="2147483658" r:id="rId10"/>
+    <p:sldLayoutId id="2147483659" r:id="rId11"/>
   </p:sldLayoutIdLst>
   <p:txStyles>
     <p:titleStyle>
@@ -475,67 +3321,56 @@
           <a:chExt cx="0" cy="0"/>
         </a:xfrm>
       </p:grpSpPr>
-      <p:graphicFrame>
-        <p:nvGraphicFramePr>
-          <p:cNvPr id="9" name="对象 8"/>
-          <p:cNvGraphicFramePr>
-            <a:graphicFrameLocks noChangeAspect="1"/>
-          </p:cNvGraphicFramePr>
-          <p:nvPr>
-            <p:extLst>
-              <p:ext uri="{D42A27DB-BD31-4B8C-83A1-F6EECF244321}">
-                <p14:modId xmlns:p14="http://schemas.microsoft.com/office/powerpoint/2010/main" val="3246316576"/>
-              </p:ext>
-            </p:extLst>
-          </p:nvPr>
-        </p:nvGraphicFramePr>
-        <p:xfrm>
-          <a:off x="5405438" y="3241675"/>
-          <a:ext cx="3438525" cy="2009775"/>
-        </p:xfrm>
-        <a:graphic>
-          <a:graphicData uri="http://schemas.openxmlformats.org/presentationml/2006/ole">
-            <mc:AlternateContent xmlns:mc="http://schemas.openxmlformats.org/markup-compatibility/2006">
-              <mc:Choice xmlns:v="urn:schemas-microsoft-com:vml" Requires="v">
-                <p:oleObj spid="_x0000_s1026" name="工作表" r:id="rId3" imgW="3438630" imgH="2009788" progId="Excel.Sheet.12">
-                  <p:embed/>
-                </p:oleObj>
-              </mc:Choice>
-              <mc:Fallback>
-                <p:oleObj name="工作表" r:id="rId3" imgW="3438630" imgH="2009788" progId="Excel.Sheet.12">
-                  <p:embed/>
-                  <p:pic>
-                    <p:nvPicPr>
-                      <p:cNvPr id="0" name=""/>
-                      <p:cNvPicPr/>
-                      <p:nvPr/>
-                    </p:nvPicPr>
-                    <p:blipFill>
-                      <a:blip r:embed="rId4"/>
-                      <a:stretch>
-                        <a:fillRect/>
-                      </a:stretch>
-                    </p:blipFill>
-                    <p:spPr>
-                      <a:xfrm>
-                        <a:off x="5405438" y="3241675"/>
-                        <a:ext cx="3438525" cy="2009775"/>
-                      </a:xfrm>
-                      <a:prstGeom prst="rect">
-                        <a:avLst/>
-                      </a:prstGeom>
-                    </p:spPr>
-                  </p:pic>
-                </p:oleObj>
-              </mc:Fallback>
-            </mc:AlternateContent>
-          </a:graphicData>
-        </a:graphic>
-      </p:graphicFrame>
+      <p:sp>
+        <p:nvSpPr>
+          <p:cNvPr id="4" name="立方体 3">
+            <a:extLst>
+              <a:ext uri="{FF2B5EF4-FFF2-40B4-BE49-F238E27FC236}">
+                <a16:creationId xmlns:a16="http://schemas.microsoft.com/office/drawing/2014/main" id="{CB98E0EE-4907-4D53-AAB2-52BD3A3DA0F3}"/>
+              </a:ext>
+            </a:extLst>
+          </p:cNvPr>
+          <p:cNvSpPr/>
+          <p:nvPr/>
+        </p:nvSpPr>
+        <p:spPr>
+          <a:xfrm>
+            <a:off x="5857592" y="3250194"/>
+            <a:ext cx="1216152" cy="1216152"/>
+          </a:xfrm>
+          <a:prstGeom prst="cube">
+            <a:avLst/>
+          </a:prstGeom>
+        </p:spPr>
+        <p:style>
+          <a:lnRef idx="2">
+            <a:schemeClr val="accent1">
+              <a:shade val="50000"/>
+            </a:schemeClr>
+          </a:lnRef>
+          <a:fillRef idx="1">
+            <a:schemeClr val="accent1"/>
+          </a:fillRef>
+          <a:effectRef idx="0">
+            <a:schemeClr val="accent1"/>
+          </a:effectRef>
+          <a:fontRef idx="minor">
+            <a:schemeClr val="lt1"/>
+          </a:fontRef>
+        </p:style>
+        <p:txBody>
+          <a:bodyPr rtlCol="0" anchor="ctr"/>
+          <a:lstStyle/>
+          <a:p>
+            <a:pPr algn="ctr"/>
+            <a:endParaRPr lang="zh-CN" altLang="en-US"/>
+          </a:p>
+        </p:txBody>
+      </p:sp>
     </p:spTree>
     <p:extLst>
       <p:ext uri="{BB962C8B-B14F-4D97-AF65-F5344CB8AC3E}">
-        <p14:creationId xmlns:p14="http://schemas.microsoft.com/office/powerpoint/2010/main" val="840519474"/>
+        <p14:creationId xmlns:p14="http://schemas.microsoft.com/office/powerpoint/2010/main" val="3788671931"/>
       </p:ext>
     </p:extLst>
   </p:cSld>
@@ -562,7 +3397,7 @@
         <a:srgbClr val="E7E6E6"/>
       </a:lt2>
       <a:accent1>
-        <a:srgbClr val="5B9BD5"/>
+        <a:srgbClr val="4472C4"/>
       </a:accent1>
       <a:accent2>
         <a:srgbClr val="ED7D31"/>
@@ -574,7 +3409,7 @@
         <a:srgbClr val="FFC000"/>
       </a:accent4>
       <a:accent5>
-        <a:srgbClr val="4472C4"/>
+        <a:srgbClr val="5B9BD5"/>
       </a:accent5>
       <a:accent6>
         <a:srgbClr val="70AD47"/>
@@ -621,6 +3456,23 @@
         <a:font script="Viet" typeface="Times New Roman"/>
         <a:font script="Uigh" typeface="Microsoft Uighur"/>
         <a:font script="Geor" typeface="Sylfaen"/>
+        <a:font script="Armn" typeface="Arial"/>
+        <a:font script="Bugi" typeface="Leelawadee UI"/>
+        <a:font script="Bopo" typeface="Microsoft JhengHei"/>
+        <a:font script="Java" typeface="Javanese Text"/>
+        <a:font script="Lisu" typeface="Segoe UI"/>
+        <a:font script="Mymr" typeface="Myanmar Text"/>
+        <a:font script="Nkoo" typeface="Ebrima"/>
+        <a:font script="Olck" typeface="Nirmala UI"/>
+        <a:font script="Osma" typeface="Ebrima"/>
+        <a:font script="Phag" typeface="Phagspa"/>
+        <a:font script="Syrn" typeface="Estrangelo Edessa"/>
+        <a:font script="Syrj" typeface="Estrangelo Edessa"/>
+        <a:font script="Syre" typeface="Estrangelo Edessa"/>
+        <a:font script="Sora" typeface="Nirmala UI"/>
+        <a:font script="Tale" typeface="Microsoft Tai Le"/>
+        <a:font script="Talu" typeface="Microsoft New Tai Lue"/>
+        <a:font script="Tfng" typeface="Ebrima"/>
       </a:majorFont>
       <a:minorFont>
         <a:latin typeface="等线" panose="020F0502020204030204"/>
@@ -656,6 +3508,23 @@
         <a:font script="Viet" typeface="Arial"/>
         <a:font script="Uigh" typeface="Microsoft Uighur"/>
         <a:font script="Geor" typeface="Sylfaen"/>
+        <a:font script="Armn" typeface="Arial"/>
+        <a:font script="Bugi" typeface="Leelawadee UI"/>
+        <a:font script="Bopo" typeface="Microsoft JhengHei"/>
+        <a:font script="Java" typeface="Javanese Text"/>
+        <a:font script="Lisu" typeface="Segoe UI"/>
+        <a:font script="Mymr" typeface="Myanmar Text"/>
+        <a:font script="Nkoo" typeface="Ebrima"/>
+        <a:font script="Olck" typeface="Nirmala UI"/>
+        <a:font script="Osma" typeface="Ebrima"/>
+        <a:font script="Phag" typeface="Phagspa"/>
+        <a:font script="Syrn" typeface="Estrangelo Edessa"/>
+        <a:font script="Syrj" typeface="Estrangelo Edessa"/>
+        <a:font script="Syre" typeface="Estrangelo Edessa"/>
+        <a:font script="Sora" typeface="Nirmala UI"/>
+        <a:font script="Tale" typeface="Microsoft Tai Le"/>
+        <a:font script="Talu" typeface="Microsoft New Tai Lue"/>
+        <a:font script="Tfng" typeface="Ebrima"/>
       </a:minorFont>
     </a:fontScheme>
     <a:fmtScheme name="Office">

--- a/Pptx/Test.pptx
+++ b/Pptx/Test.pptx
@@ -477,32 +477,38 @@
       </p:grpSpPr>
       <p:graphicFrame>
         <p:nvGraphicFramePr>
-          <p:cNvPr id="9" name="对象 8"/>
+          <p:cNvPr id="2" name="对象 1">
+            <a:extLst>
+              <a:ext uri="{FF2B5EF4-FFF2-40B4-BE49-F238E27FC236}">
+                <a16:creationId xmlns:a16="http://schemas.microsoft.com/office/drawing/2014/main" id="{9A3CC120-0C42-46BE-90CD-E1B52AF97919}"/>
+              </a:ext>
+            </a:extLst>
+          </p:cNvPr>
           <p:cNvGraphicFramePr>
             <a:graphicFrameLocks noChangeAspect="1"/>
           </p:cNvGraphicFramePr>
           <p:nvPr>
             <p:extLst>
               <p:ext uri="{D42A27DB-BD31-4B8C-83A1-F6EECF244321}">
-                <p14:modId xmlns:p14="http://schemas.microsoft.com/office/powerpoint/2010/main" val="3246316576"/>
+                <p14:modId xmlns:p14="http://schemas.microsoft.com/office/powerpoint/2010/main" val="706948337"/>
               </p:ext>
             </p:extLst>
           </p:nvPr>
         </p:nvGraphicFramePr>
         <p:xfrm>
-          <a:off x="5405438" y="3241675"/>
-          <a:ext cx="3438525" cy="2009775"/>
+          <a:off x="4719638" y="2789238"/>
+          <a:ext cx="2752725" cy="1276350"/>
         </p:xfrm>
         <a:graphic>
           <a:graphicData uri="http://schemas.openxmlformats.org/presentationml/2006/ole">
             <mc:AlternateContent xmlns:mc="http://schemas.openxmlformats.org/markup-compatibility/2006">
               <mc:Choice xmlns:v="urn:schemas-microsoft-com:vml" Requires="v">
-                <p:oleObj spid="_x0000_s1026" name="工作表" r:id="rId3" imgW="3438630" imgH="2009788" progId="Excel.Sheet.12">
+                <p:oleObj spid="_x0000_s1026" name="Worksheet" r:id="rId3" imgW="2752570" imgH="1276492" progId="Excel.Sheet.12">
                   <p:embed/>
                 </p:oleObj>
               </mc:Choice>
               <mc:Fallback>
-                <p:oleObj name="工作表" r:id="rId3" imgW="3438630" imgH="2009788" progId="Excel.Sheet.12">
+                <p:oleObj name="Worksheet" r:id="rId3" imgW="2752570" imgH="1276492" progId="Excel.Sheet.12">
                   <p:embed/>
                   <p:pic>
                     <p:nvPicPr>
@@ -518,8 +524,8 @@
                     </p:blipFill>
                     <p:spPr>
                       <a:xfrm>
-                        <a:off x="5405438" y="3241675"/>
-                        <a:ext cx="3438525" cy="2009775"/>
+                        <a:off x="4719638" y="2789238"/>
+                        <a:ext cx="2752725" cy="1276350"/>
                       </a:xfrm>
                       <a:prstGeom prst="rect">
                         <a:avLst/>

--- a/Pptx/Test.pptx
+++ b/Pptx/Test.pptx
@@ -477,38 +477,32 @@
       </p:grpSpPr>
       <p:graphicFrame>
         <p:nvGraphicFramePr>
-          <p:cNvPr id="2" name="对象 1">
-            <a:extLst>
-              <a:ext uri="{FF2B5EF4-FFF2-40B4-BE49-F238E27FC236}">
-                <a16:creationId xmlns:a16="http://schemas.microsoft.com/office/drawing/2014/main" id="{9A3CC120-0C42-46BE-90CD-E1B52AF97919}"/>
-              </a:ext>
-            </a:extLst>
-          </p:cNvPr>
+          <p:cNvPr id="9" name="对象 8"/>
           <p:cNvGraphicFramePr>
             <a:graphicFrameLocks noChangeAspect="1"/>
           </p:cNvGraphicFramePr>
           <p:nvPr>
             <p:extLst>
               <p:ext uri="{D42A27DB-BD31-4B8C-83A1-F6EECF244321}">
-                <p14:modId xmlns:p14="http://schemas.microsoft.com/office/powerpoint/2010/main" val="706948337"/>
+                <p14:modId xmlns:p14="http://schemas.microsoft.com/office/powerpoint/2010/main" val="3246316576"/>
               </p:ext>
             </p:extLst>
           </p:nvPr>
         </p:nvGraphicFramePr>
         <p:xfrm>
-          <a:off x="4719638" y="2789238"/>
-          <a:ext cx="2752725" cy="1276350"/>
+          <a:off x="5405438" y="3241675"/>
+          <a:ext cx="3438525" cy="2009775"/>
         </p:xfrm>
         <a:graphic>
           <a:graphicData uri="http://schemas.openxmlformats.org/presentationml/2006/ole">
             <mc:AlternateContent xmlns:mc="http://schemas.openxmlformats.org/markup-compatibility/2006">
               <mc:Choice xmlns:v="urn:schemas-microsoft-com:vml" Requires="v">
-                <p:oleObj spid="_x0000_s1026" name="Worksheet" r:id="rId3" imgW="2752570" imgH="1276492" progId="Excel.Sheet.12">
+                <p:oleObj spid="_x0000_s1026" name="工作表" r:id="rId3" imgW="3438630" imgH="2009788" progId="Excel.Sheet.12">
                   <p:embed/>
                 </p:oleObj>
               </mc:Choice>
               <mc:Fallback>
-                <p:oleObj name="Worksheet" r:id="rId3" imgW="2752570" imgH="1276492" progId="Excel.Sheet.12">
+                <p:oleObj name="工作表" r:id="rId3" imgW="3438630" imgH="2009788" progId="Excel.Sheet.12">
                   <p:embed/>
                   <p:pic>
                     <p:nvPicPr>
@@ -524,8 +518,8 @@
                     </p:blipFill>
                     <p:spPr>
                       <a:xfrm>
-                        <a:off x="4719638" y="2789238"/>
-                        <a:ext cx="2752725" cy="1276350"/>
+                        <a:off x="5405438" y="3241675"/>
+                        <a:ext cx="3438525" cy="2009775"/>
                       </a:xfrm>
                       <a:prstGeom prst="rect">
                         <a:avLst/>

--- a/Pptx/Test.pptx
+++ b/Pptx/Test.pptx
@@ -475,63 +475,120 @@
           <a:chExt cx="0" cy="0"/>
         </a:xfrm>
       </p:grpSpPr>
-      <p:graphicFrame>
-        <p:nvGraphicFramePr>
-          <p:cNvPr id="9" name="对象 8"/>
-          <p:cNvGraphicFramePr>
-            <a:graphicFrameLocks noChangeAspect="1"/>
-          </p:cNvGraphicFramePr>
-          <p:nvPr>
-            <p:extLst>
-              <p:ext uri="{D42A27DB-BD31-4B8C-83A1-F6EECF244321}">
-                <p14:modId xmlns:p14="http://schemas.microsoft.com/office/powerpoint/2010/main" val="3246316576"/>
-              </p:ext>
-            </p:extLst>
-          </p:nvPr>
-        </p:nvGraphicFramePr>
-        <p:xfrm>
-          <a:off x="5405438" y="3241675"/>
-          <a:ext cx="3438525" cy="2009775"/>
-        </p:xfrm>
-        <a:graphic>
-          <a:graphicData uri="http://schemas.openxmlformats.org/presentationml/2006/ole">
-            <mc:AlternateContent xmlns:mc="http://schemas.openxmlformats.org/markup-compatibility/2006">
-              <mc:Choice xmlns:v="urn:schemas-microsoft-com:vml" Requires="v">
-                <p:oleObj spid="_x0000_s1026" name="工作表" r:id="rId3" imgW="3438630" imgH="2009788" progId="Excel.Sheet.12">
-                  <p:embed/>
-                </p:oleObj>
-              </mc:Choice>
-              <mc:Fallback>
-                <p:oleObj name="工作表" r:id="rId3" imgW="3438630" imgH="2009788" progId="Excel.Sheet.12">
-                  <p:embed/>
-                  <p:pic>
-                    <p:nvPicPr>
-                      <p:cNvPr id="0" name=""/>
-                      <p:cNvPicPr/>
-                      <p:nvPr/>
-                    </p:nvPicPr>
-                    <p:blipFill>
-                      <a:blip r:embed="rId4"/>
-                      <a:stretch>
-                        <a:fillRect/>
-                      </a:stretch>
-                    </p:blipFill>
-                    <p:spPr>
-                      <a:xfrm>
-                        <a:off x="5405438" y="3241675"/>
-                        <a:ext cx="3438525" cy="2009775"/>
-                      </a:xfrm>
-                      <a:prstGeom prst="rect">
-                        <a:avLst/>
-                      </a:prstGeom>
-                    </p:spPr>
-                  </p:pic>
-                </p:oleObj>
-              </mc:Fallback>
-            </mc:AlternateContent>
-          </a:graphicData>
-        </a:graphic>
-      </p:graphicFrame>
+      <p:sp>
+        <p:nvSpPr>
+          <p:cNvPr id="3" name="文本框 2"/>
+          <p:cNvSpPr txBox="1"/>
+          <p:nvPr/>
+        </p:nvSpPr>
+        <p:spPr>
+          <a:xfrm>
+            <a:off x="2771775" y="495300"/>
+            <a:ext cx="4486275" cy="1200329"/>
+          </a:xfrm>
+          <a:prstGeom prst="rect">
+            <a:avLst/>
+          </a:prstGeom>
+          <a:noFill/>
+        </p:spPr>
+        <p:txBody>
+          <a:bodyPr wrap="square" rtlCol="0">
+            <a:spAutoFit/>
+          </a:bodyPr>
+          <a:lstStyle/>
+          <a:p>
+            <a:pPr algn="ctr"/>
+            <a:r>
+              <a:rPr lang="zh-CN" altLang="en-US" dirty="0" smtClean="0"/>
+              <a:t>文本排版 文本排版 </a:t>
+            </a:r>
+            <a:r>
+              <a:rPr lang="zh-CN" altLang="en-US" dirty="0"/>
+              <a:t> 文本</a:t>
+            </a:r>
+            <a:r>
+              <a:rPr lang="zh-CN" altLang="en-US" dirty="0" smtClean="0"/>
+              <a:t>排版 文本排版 </a:t>
+            </a:r>
+            <a:r>
+              <a:rPr lang="zh-CN" altLang="en-US" dirty="0"/>
+              <a:t> 文本</a:t>
+            </a:r>
+            <a:r>
+              <a:rPr lang="zh-CN" altLang="en-US" dirty="0" smtClean="0"/>
+              <a:t>排版 </a:t>
+            </a:r>
+            <a:r>
+              <a:rPr lang="zh-CN" altLang="en-US" dirty="0"/>
+              <a:t> 文本</a:t>
+            </a:r>
+            <a:r>
+              <a:rPr lang="zh-CN" altLang="en-US" dirty="0" smtClean="0"/>
+              <a:t>排版 </a:t>
+            </a:r>
+            <a:r>
+              <a:rPr lang="zh-CN" altLang="en-US" dirty="0"/>
+              <a:t> 文本</a:t>
+            </a:r>
+            <a:r>
+              <a:rPr lang="zh-CN" altLang="en-US" dirty="0" smtClean="0"/>
+              <a:t>排版 </a:t>
+            </a:r>
+            <a:r>
+              <a:rPr lang="zh-CN" altLang="en-US" dirty="0"/>
+              <a:t> 文本</a:t>
+            </a:r>
+            <a:r>
+              <a:rPr lang="zh-CN" altLang="en-US" dirty="0" smtClean="0"/>
+              <a:t>排版 </a:t>
+            </a:r>
+            <a:r>
+              <a:rPr lang="zh-CN" altLang="en-US" dirty="0"/>
+              <a:t> 文本</a:t>
+            </a:r>
+            <a:r>
+              <a:rPr lang="zh-CN" altLang="en-US" dirty="0" smtClean="0"/>
+              <a:t>排版 </a:t>
+            </a:r>
+            <a:r>
+              <a:rPr lang="zh-CN" altLang="en-US" dirty="0"/>
+              <a:t> 文本</a:t>
+            </a:r>
+            <a:r>
+              <a:rPr lang="zh-CN" altLang="en-US" dirty="0" smtClean="0"/>
+              <a:t>排版</a:t>
+            </a:r>
+            <a:endParaRPr lang="en-US" altLang="zh-CN" dirty="0" smtClean="0"/>
+          </a:p>
+          <a:p>
+            <a:pPr algn="ctr"/>
+            <a:r>
+              <a:rPr lang="zh-CN" altLang="en-US" dirty="0" smtClean="0"/>
+              <a:t>文本排版 </a:t>
+            </a:r>
+            <a:r>
+              <a:rPr lang="zh-CN" altLang="en-US" dirty="0"/>
+              <a:t> 文本</a:t>
+            </a:r>
+            <a:r>
+              <a:rPr lang="zh-CN" altLang="en-US" dirty="0" smtClean="0"/>
+              <a:t>排版 </a:t>
+            </a:r>
+            <a:r>
+              <a:rPr lang="zh-CN" altLang="en-US" dirty="0"/>
+              <a:t> 文本</a:t>
+            </a:r>
+            <a:r>
+              <a:rPr lang="zh-CN" altLang="en-US" dirty="0" smtClean="0"/>
+              <a:t>排版 </a:t>
+            </a:r>
+            <a:r>
+              <a:rPr lang="zh-CN" altLang="en-US" dirty="0"/>
+              <a:t> 文本排版</a:t>
+            </a:r>
+          </a:p>
+        </p:txBody>
+      </p:sp>
     </p:spTree>
     <p:extLst>
       <p:ext uri="{BB962C8B-B14F-4D97-AF65-F5344CB8AC3E}">

--- a/Pptx/Test.pptx
+++ b/Pptx/Test.pptx
@@ -4,6 +4,12 @@
   <p:sldMasterIdLst>
     <p:sldMasterId id="2147483648" r:id="rId1"/>
   </p:sldMasterIdLst>
+  <p:notesMasterIdLst>
+    <p:notesMasterId r:id="rId3"/>
+  </p:notesMasterIdLst>
+  <p:handoutMasterIdLst>
+    <p:handoutMasterId r:id="rId4"/>
+  </p:handoutMasterIdLst>
   <p:sldIdLst>
     <p:sldId id="256" r:id="rId2"/>
   </p:sldIdLst>
@@ -11,7 +17,7 @@
   <p:notesSz cx="6858000" cy="9144000"/>
   <p:defaultTextStyle>
     <a:defPPr>
-      <a:defRPr lang="zh-CN"/>
+      <a:defRPr lang="en-US"/>
     </a:defPPr>
     <a:lvl1pPr marL="0" algn="l" defTabSz="914400" rtl="0" eaLnBrk="1" latinLnBrk="0" hangingPunct="1">
       <a:defRPr sz="1800" kern="1200">
@@ -110,6 +116,164 @@
     </p:ext>
   </p:extLst>
 </p:presentation>
+</file>
+
+<file path=ppt/handoutMasters/handoutMaster1.xml><?xml version="1.0" encoding="utf-8"?>
+<p:handoutMaster xmlns:a="http://schemas.openxmlformats.org/drawingml/2006/main" xmlns:r="http://schemas.openxmlformats.org/officeDocument/2006/relationships" xmlns:p="http://schemas.openxmlformats.org/presentationml/2006/main">
+  <p:cSld>
+    <p:bg>
+      <p:bgRef idx="1001">
+        <a:schemeClr val="bg1"/>
+      </p:bgRef>
+    </p:bg>
+    <p:spTree>
+      <p:nvGrpSpPr>
+        <p:cNvPr id="1" name=""/>
+        <p:cNvGrpSpPr/>
+        <p:nvPr/>
+      </p:nvGrpSpPr>
+      <p:grpSpPr>
+        <a:xfrm>
+          <a:off x="0" y="0"/>
+          <a:ext cx="0" cy="0"/>
+          <a:chOff x="0" y="0"/>
+          <a:chExt cx="0" cy="0"/>
+        </a:xfrm>
+      </p:grpSpPr>
+    </p:spTree>
+    <p:extLst>
+      <p:ext uri="{BB962C8B-B14F-4D97-AF65-F5344CB8AC3E}">
+        <p14:creationId xmlns:p14="http://schemas.microsoft.com/office/powerpoint/2010/main" val="1523886226"/>
+      </p:ext>
+    </p:extLst>
+  </p:cSld>
+  <p:clrMap bg1="lt1" tx1="dk1" bg2="lt2" tx2="dk2" accent1="accent1" accent2="accent2" accent3="accent3" accent4="accent4" accent5="accent5" accent6="accent6" hlink="hlink" folHlink="folHlink"/>
+</p:handoutMaster>
+</file>
+
+<file path=ppt/notesMasters/notesMaster1.xml><?xml version="1.0" encoding="utf-8"?>
+<p:notesMaster xmlns:a="http://schemas.openxmlformats.org/drawingml/2006/main" xmlns:r="http://schemas.openxmlformats.org/officeDocument/2006/relationships" xmlns:p="http://schemas.openxmlformats.org/presentationml/2006/main">
+  <p:cSld>
+    <p:bg>
+      <p:bgRef idx="1001">
+        <a:schemeClr val="bg1"/>
+      </p:bgRef>
+    </p:bg>
+    <p:spTree>
+      <p:nvGrpSpPr>
+        <p:cNvPr id="1" name=""/>
+        <p:cNvGrpSpPr/>
+        <p:nvPr/>
+      </p:nvGrpSpPr>
+      <p:grpSpPr>
+        <a:xfrm>
+          <a:off x="0" y="0"/>
+          <a:ext cx="0" cy="0"/>
+          <a:chOff x="0" y="0"/>
+          <a:chExt cx="0" cy="0"/>
+        </a:xfrm>
+      </p:grpSpPr>
+    </p:spTree>
+    <p:extLst>
+      <p:ext uri="{BB962C8B-B14F-4D97-AF65-F5344CB8AC3E}">
+        <p14:creationId xmlns:p14="http://schemas.microsoft.com/office/powerpoint/2010/main" val="2096170441"/>
+      </p:ext>
+    </p:extLst>
+  </p:cSld>
+  <p:clrMap bg1="lt1" tx1="dk1" bg2="lt2" tx2="dk2" accent1="accent1" accent2="accent2" accent3="accent3" accent4="accent4" accent5="accent5" accent6="accent6" hlink="hlink" folHlink="folHlink"/>
+  <p:notesStyle>
+    <a:lvl1pPr marL="0" algn="l" defTabSz="914400" rtl="0" eaLnBrk="1" latinLnBrk="0" hangingPunct="1">
+      <a:defRPr sz="1200" kern="1200">
+        <a:solidFill>
+          <a:schemeClr val="tx1"/>
+        </a:solidFill>
+        <a:latin typeface="+mn-lt"/>
+        <a:ea typeface="+mn-ea"/>
+        <a:cs typeface="+mn-cs"/>
+      </a:defRPr>
+    </a:lvl1pPr>
+    <a:lvl2pPr marL="457200" algn="l" defTabSz="914400" rtl="0" eaLnBrk="1" latinLnBrk="0" hangingPunct="1">
+      <a:defRPr sz="1200" kern="1200">
+        <a:solidFill>
+          <a:schemeClr val="tx1"/>
+        </a:solidFill>
+        <a:latin typeface="+mn-lt"/>
+        <a:ea typeface="+mn-ea"/>
+        <a:cs typeface="+mn-cs"/>
+      </a:defRPr>
+    </a:lvl2pPr>
+    <a:lvl3pPr marL="914400" algn="l" defTabSz="914400" rtl="0" eaLnBrk="1" latinLnBrk="0" hangingPunct="1">
+      <a:defRPr sz="1200" kern="1200">
+        <a:solidFill>
+          <a:schemeClr val="tx1"/>
+        </a:solidFill>
+        <a:latin typeface="+mn-lt"/>
+        <a:ea typeface="+mn-ea"/>
+        <a:cs typeface="+mn-cs"/>
+      </a:defRPr>
+    </a:lvl3pPr>
+    <a:lvl4pPr marL="1371600" algn="l" defTabSz="914400" rtl="0" eaLnBrk="1" latinLnBrk="0" hangingPunct="1">
+      <a:defRPr sz="1200" kern="1200">
+        <a:solidFill>
+          <a:schemeClr val="tx1"/>
+        </a:solidFill>
+        <a:latin typeface="+mn-lt"/>
+        <a:ea typeface="+mn-ea"/>
+        <a:cs typeface="+mn-cs"/>
+      </a:defRPr>
+    </a:lvl4pPr>
+    <a:lvl5pPr marL="1828800" algn="l" defTabSz="914400" rtl="0" eaLnBrk="1" latinLnBrk="0" hangingPunct="1">
+      <a:defRPr sz="1200" kern="1200">
+        <a:solidFill>
+          <a:schemeClr val="tx1"/>
+        </a:solidFill>
+        <a:latin typeface="+mn-lt"/>
+        <a:ea typeface="+mn-ea"/>
+        <a:cs typeface="+mn-cs"/>
+      </a:defRPr>
+    </a:lvl5pPr>
+    <a:lvl6pPr marL="2286000" algn="l" defTabSz="914400" rtl="0" eaLnBrk="1" latinLnBrk="0" hangingPunct="1">
+      <a:defRPr sz="1200" kern="1200">
+        <a:solidFill>
+          <a:schemeClr val="tx1"/>
+        </a:solidFill>
+        <a:latin typeface="+mn-lt"/>
+        <a:ea typeface="+mn-ea"/>
+        <a:cs typeface="+mn-cs"/>
+      </a:defRPr>
+    </a:lvl6pPr>
+    <a:lvl7pPr marL="2743200" algn="l" defTabSz="914400" rtl="0" eaLnBrk="1" latinLnBrk="0" hangingPunct="1">
+      <a:defRPr sz="1200" kern="1200">
+        <a:solidFill>
+          <a:schemeClr val="tx1"/>
+        </a:solidFill>
+        <a:latin typeface="+mn-lt"/>
+        <a:ea typeface="+mn-ea"/>
+        <a:cs typeface="+mn-cs"/>
+      </a:defRPr>
+    </a:lvl7pPr>
+    <a:lvl8pPr marL="3200400" algn="l" defTabSz="914400" rtl="0" eaLnBrk="1" latinLnBrk="0" hangingPunct="1">
+      <a:defRPr sz="1200" kern="1200">
+        <a:solidFill>
+          <a:schemeClr val="tx1"/>
+        </a:solidFill>
+        <a:latin typeface="+mn-lt"/>
+        <a:ea typeface="+mn-ea"/>
+        <a:cs typeface="+mn-cs"/>
+      </a:defRPr>
+    </a:lvl8pPr>
+    <a:lvl9pPr marL="3657600" algn="l" defTabSz="914400" rtl="0" eaLnBrk="1" latinLnBrk="0" hangingPunct="1">
+      <a:defRPr sz="1200" kern="1200">
+        <a:solidFill>
+          <a:schemeClr val="tx1"/>
+        </a:solidFill>
+        <a:latin typeface="+mn-lt"/>
+        <a:ea typeface="+mn-ea"/>
+        <a:cs typeface="+mn-cs"/>
+      </a:defRPr>
+    </a:lvl9pPr>
+  </p:notesStyle>
+</p:notesMaster>
 </file>
 
 <file path=ppt/slideLayouts/slideLayout1.xml><?xml version="1.0" encoding="utf-8"?>
@@ -132,7 +296,7 @@
     </p:spTree>
     <p:extLst>
       <p:ext uri="{BB962C8B-B14F-4D97-AF65-F5344CB8AC3E}">
-        <p14:creationId xmlns:p14="http://schemas.microsoft.com/office/powerpoint/2010/main" val="2723191420"/>
+        <p14:creationId xmlns:p14="http://schemas.microsoft.com/office/powerpoint/2010/main" val="3004470656"/>
       </p:ext>
     </p:extLst>
   </p:cSld>
@@ -167,7 +331,7 @@
     </p:spTree>
     <p:extLst>
       <p:ext uri="{BB962C8B-B14F-4D97-AF65-F5344CB8AC3E}">
-        <p14:creationId xmlns:p14="http://schemas.microsoft.com/office/powerpoint/2010/main" val="1333735316"/>
+        <p14:creationId xmlns:p14="http://schemas.microsoft.com/office/powerpoint/2010/main" val="1306463904"/>
       </p:ext>
     </p:extLst>
   </p:cSld>
@@ -361,7 +525,7 @@
     </p:bodyStyle>
     <p:otherStyle>
       <a:defPPr>
-        <a:defRPr lang="zh-CN"/>
+        <a:defRPr lang="en-US"/>
       </a:defPPr>
       <a:lvl1pPr marL="0" algn="l" defTabSz="914400" rtl="0" eaLnBrk="1" latinLnBrk="0" hangingPunct="1">
         <a:defRPr sz="1800" kern="1200">
@@ -477,14 +641,14 @@
       </p:grpSpPr>
       <p:sp>
         <p:nvSpPr>
-          <p:cNvPr id="3" name="文本框 2"/>
+          <p:cNvPr id="4" name="文本框 3"/>
           <p:cNvSpPr txBox="1"/>
           <p:nvPr/>
         </p:nvSpPr>
         <p:spPr>
           <a:xfrm>
-            <a:off x="2771775" y="495300"/>
-            <a:ext cx="4486275" cy="1200329"/>
+            <a:off x="4168346" y="914401"/>
+            <a:ext cx="30480000" cy="3170099"/>
           </a:xfrm>
           <a:prstGeom prst="rect">
             <a:avLst/>
@@ -497,102 +661,24 @@
           </a:bodyPr>
           <a:lstStyle/>
           <a:p>
-            <a:pPr algn="ctr"/>
             <a:r>
-              <a:rPr lang="zh-CN" altLang="en-US" dirty="0" smtClean="0"/>
-              <a:t>文本排版 文本排版 </a:t>
+              <a:rPr lang="zh-CN" altLang="en-US" sz="10000">
+                <a:ln w="9525">
+                  <a:solidFill>
+                    <a:srgbClr val="00FF00"/>
+                  </a:solidFill>
+                </a:ln>
+              </a:rPr>
+              <a:t>一行文本</a:t>
             </a:r>
-            <a:r>
-              <a:rPr lang="zh-CN" altLang="en-US" dirty="0"/>
-              <a:t> 文本</a:t>
-            </a:r>
-            <a:r>
-              <a:rPr lang="zh-CN" altLang="en-US" dirty="0" smtClean="0"/>
-              <a:t>排版 文本排版 </a:t>
-            </a:r>
-            <a:r>
-              <a:rPr lang="zh-CN" altLang="en-US" dirty="0"/>
-              <a:t> 文本</a:t>
-            </a:r>
-            <a:r>
-              <a:rPr lang="zh-CN" altLang="en-US" dirty="0" smtClean="0"/>
-              <a:t>排版 </a:t>
-            </a:r>
-            <a:r>
-              <a:rPr lang="zh-CN" altLang="en-US" dirty="0"/>
-              <a:t> 文本</a:t>
-            </a:r>
-            <a:r>
-              <a:rPr lang="zh-CN" altLang="en-US" dirty="0" smtClean="0"/>
-              <a:t>排版 </a:t>
-            </a:r>
-            <a:r>
-              <a:rPr lang="zh-CN" altLang="en-US" dirty="0"/>
-              <a:t> 文本</a:t>
-            </a:r>
-            <a:r>
-              <a:rPr lang="zh-CN" altLang="en-US" dirty="0" smtClean="0"/>
-              <a:t>排版 </a:t>
-            </a:r>
-            <a:r>
-              <a:rPr lang="zh-CN" altLang="en-US" dirty="0"/>
-              <a:t> 文本</a:t>
-            </a:r>
-            <a:r>
-              <a:rPr lang="zh-CN" altLang="en-US" dirty="0" smtClean="0"/>
-              <a:t>排版 </a:t>
-            </a:r>
-            <a:r>
-              <a:rPr lang="zh-CN" altLang="en-US" dirty="0"/>
-              <a:t> 文本</a:t>
-            </a:r>
-            <a:r>
-              <a:rPr lang="zh-CN" altLang="en-US" dirty="0" smtClean="0"/>
-              <a:t>排版 </a:t>
-            </a:r>
-            <a:r>
-              <a:rPr lang="zh-CN" altLang="en-US" dirty="0"/>
-              <a:t> 文本</a:t>
-            </a:r>
-            <a:r>
-              <a:rPr lang="zh-CN" altLang="en-US" dirty="0" smtClean="0"/>
-              <a:t>排版</a:t>
-            </a:r>
-            <a:endParaRPr lang="en-US" altLang="zh-CN" dirty="0" smtClean="0"/>
-          </a:p>
-          <a:p>
-            <a:pPr algn="ctr"/>
-            <a:r>
-              <a:rPr lang="zh-CN" altLang="en-US" dirty="0" smtClean="0"/>
-              <a:t>文本排版 </a:t>
-            </a:r>
-            <a:r>
-              <a:rPr lang="zh-CN" altLang="en-US" dirty="0"/>
-              <a:t> 文本</a:t>
-            </a:r>
-            <a:r>
-              <a:rPr lang="zh-CN" altLang="en-US" dirty="0" smtClean="0"/>
-              <a:t>排版 </a:t>
-            </a:r>
-            <a:r>
-              <a:rPr lang="zh-CN" altLang="en-US" dirty="0"/>
-              <a:t> 文本</a:t>
-            </a:r>
-            <a:r>
-              <a:rPr lang="zh-CN" altLang="en-US" dirty="0" smtClean="0"/>
-              <a:t>排版 </a:t>
-            </a:r>
-            <a:r>
-              <a:rPr lang="zh-CN" altLang="en-US" dirty="0"/>
-              <a:t> 文本排版</a:t>
-            </a:r>
+            <a:endParaRPr lang="en-US" sz="10000" dirty="0"/>
           </a:p>
         </p:txBody>
       </p:sp>
     </p:spTree>
     <p:extLst>
       <p:ext uri="{BB962C8B-B14F-4D97-AF65-F5344CB8AC3E}">
-        <p14:creationId xmlns:p14="http://schemas.microsoft.com/office/powerpoint/2010/main" val="840519474"/>
+        <p14:creationId xmlns:p14="http://schemas.microsoft.com/office/powerpoint/2010/main" val="3380265687"/>
       </p:ext>
     </p:extLst>
   </p:cSld>
@@ -603,6 +689,267 @@
 </file>
 
 <file path=ppt/theme/theme1.xml><?xml version="1.0" encoding="utf-8"?>
+<a:theme xmlns:a="http://schemas.openxmlformats.org/drawingml/2006/main" name="Office 主题">
+  <a:themeElements>
+    <a:clrScheme name="Office">
+      <a:dk1>
+        <a:sysClr val="windowText" lastClr="000000"/>
+      </a:dk1>
+      <a:lt1>
+        <a:sysClr val="window" lastClr="FFFFFF"/>
+      </a:lt1>
+      <a:dk2>
+        <a:srgbClr val="44546A"/>
+      </a:dk2>
+      <a:lt2>
+        <a:srgbClr val="E7E6E6"/>
+      </a:lt2>
+      <a:accent1>
+        <a:srgbClr val="5B9BD5"/>
+      </a:accent1>
+      <a:accent2>
+        <a:srgbClr val="ED7D31"/>
+      </a:accent2>
+      <a:accent3>
+        <a:srgbClr val="A5A5A5"/>
+      </a:accent3>
+      <a:accent4>
+        <a:srgbClr val="FFC000"/>
+      </a:accent4>
+      <a:accent5>
+        <a:srgbClr val="4472C4"/>
+      </a:accent5>
+      <a:accent6>
+        <a:srgbClr val="70AD47"/>
+      </a:accent6>
+      <a:hlink>
+        <a:srgbClr val="0563C1"/>
+      </a:hlink>
+      <a:folHlink>
+        <a:srgbClr val="954F72"/>
+      </a:folHlink>
+    </a:clrScheme>
+    <a:fontScheme name="Office">
+      <a:majorFont>
+        <a:latin typeface="Calibri Light" panose="020F0302020204030204"/>
+        <a:ea typeface=""/>
+        <a:cs typeface=""/>
+        <a:font script="Jpan" typeface="ＭＳ Ｐゴシック"/>
+        <a:font script="Hang" typeface="맑은 고딕"/>
+        <a:font script="Hans" typeface="宋体"/>
+        <a:font script="Hant" typeface="新細明體"/>
+        <a:font script="Arab" typeface="Times New Roman"/>
+        <a:font script="Hebr" typeface="Times New Roman"/>
+        <a:font script="Thai" typeface="Angsana New"/>
+        <a:font script="Ethi" typeface="Nyala"/>
+        <a:font script="Beng" typeface="Vrinda"/>
+        <a:font script="Gujr" typeface="Shruti"/>
+        <a:font script="Khmr" typeface="MoolBoran"/>
+        <a:font script="Knda" typeface="Tunga"/>
+        <a:font script="Guru" typeface="Raavi"/>
+        <a:font script="Cans" typeface="Euphemia"/>
+        <a:font script="Cher" typeface="Plantagenet Cherokee"/>
+        <a:font script="Yiii" typeface="Microsoft Yi Baiti"/>
+        <a:font script="Tibt" typeface="Microsoft Himalaya"/>
+        <a:font script="Thaa" typeface="MV Boli"/>
+        <a:font script="Deva" typeface="Mangal"/>
+        <a:font script="Telu" typeface="Gautami"/>
+        <a:font script="Taml" typeface="Latha"/>
+        <a:font script="Syrc" typeface="Estrangelo Edessa"/>
+        <a:font script="Orya" typeface="Kalinga"/>
+        <a:font script="Mlym" typeface="Kartika"/>
+        <a:font script="Laoo" typeface="DokChampa"/>
+        <a:font script="Sinh" typeface="Iskoola Pota"/>
+        <a:font script="Mong" typeface="Mongolian Baiti"/>
+        <a:font script="Viet" typeface="Times New Roman"/>
+        <a:font script="Uigh" typeface="Microsoft Uighur"/>
+        <a:font script="Geor" typeface="Sylfaen"/>
+      </a:majorFont>
+      <a:minorFont>
+        <a:latin typeface="Calibri" panose="020F0502020204030204"/>
+        <a:ea typeface=""/>
+        <a:cs typeface=""/>
+        <a:font script="Jpan" typeface="ＭＳ Ｐゴシック"/>
+        <a:font script="Hang" typeface="맑은 고딕"/>
+        <a:font script="Hans" typeface="宋体"/>
+        <a:font script="Hant" typeface="新細明體"/>
+        <a:font script="Arab" typeface="Arial"/>
+        <a:font script="Hebr" typeface="Arial"/>
+        <a:font script="Thai" typeface="Cordia New"/>
+        <a:font script="Ethi" typeface="Nyala"/>
+        <a:font script="Beng" typeface="Vrinda"/>
+        <a:font script="Gujr" typeface="Shruti"/>
+        <a:font script="Khmr" typeface="DaunPenh"/>
+        <a:font script="Knda" typeface="Tunga"/>
+        <a:font script="Guru" typeface="Raavi"/>
+        <a:font script="Cans" typeface="Euphemia"/>
+        <a:font script="Cher" typeface="Plantagenet Cherokee"/>
+        <a:font script="Yiii" typeface="Microsoft Yi Baiti"/>
+        <a:font script="Tibt" typeface="Microsoft Himalaya"/>
+        <a:font script="Thaa" typeface="MV Boli"/>
+        <a:font script="Deva" typeface="Mangal"/>
+        <a:font script="Telu" typeface="Gautami"/>
+        <a:font script="Taml" typeface="Latha"/>
+        <a:font script="Syrc" typeface="Estrangelo Edessa"/>
+        <a:font script="Orya" typeface="Kalinga"/>
+        <a:font script="Mlym" typeface="Kartika"/>
+        <a:font script="Laoo" typeface="DokChampa"/>
+        <a:font script="Sinh" typeface="Iskoola Pota"/>
+        <a:font script="Mong" typeface="Mongolian Baiti"/>
+        <a:font script="Viet" typeface="Arial"/>
+        <a:font script="Uigh" typeface="Microsoft Uighur"/>
+        <a:font script="Geor" typeface="Sylfaen"/>
+      </a:minorFont>
+    </a:fontScheme>
+    <a:fmtScheme name="Office">
+      <a:fillStyleLst>
+        <a:solidFill>
+          <a:schemeClr val="phClr"/>
+        </a:solidFill>
+        <a:gradFill rotWithShape="1">
+          <a:gsLst>
+            <a:gs pos="0">
+              <a:schemeClr val="phClr">
+                <a:lumMod val="110000"/>
+                <a:satMod val="105000"/>
+                <a:tint val="67000"/>
+              </a:schemeClr>
+            </a:gs>
+            <a:gs pos="50000">
+              <a:schemeClr val="phClr">
+                <a:lumMod val="105000"/>
+                <a:satMod val="103000"/>
+                <a:tint val="73000"/>
+              </a:schemeClr>
+            </a:gs>
+            <a:gs pos="100000">
+              <a:schemeClr val="phClr">
+                <a:lumMod val="105000"/>
+                <a:satMod val="109000"/>
+                <a:tint val="81000"/>
+              </a:schemeClr>
+            </a:gs>
+          </a:gsLst>
+          <a:lin ang="5400000" scaled="0"/>
+        </a:gradFill>
+        <a:gradFill rotWithShape="1">
+          <a:gsLst>
+            <a:gs pos="0">
+              <a:schemeClr val="phClr">
+                <a:satMod val="103000"/>
+                <a:lumMod val="102000"/>
+                <a:tint val="94000"/>
+              </a:schemeClr>
+            </a:gs>
+            <a:gs pos="50000">
+              <a:schemeClr val="phClr">
+                <a:satMod val="110000"/>
+                <a:lumMod val="100000"/>
+                <a:shade val="100000"/>
+              </a:schemeClr>
+            </a:gs>
+            <a:gs pos="100000">
+              <a:schemeClr val="phClr">
+                <a:lumMod val="99000"/>
+                <a:satMod val="120000"/>
+                <a:shade val="78000"/>
+              </a:schemeClr>
+            </a:gs>
+          </a:gsLst>
+          <a:lin ang="5400000" scaled="0"/>
+        </a:gradFill>
+      </a:fillStyleLst>
+      <a:lnStyleLst>
+        <a:ln w="6350" cap="flat" cmpd="sng" algn="ctr">
+          <a:solidFill>
+            <a:schemeClr val="phClr"/>
+          </a:solidFill>
+          <a:prstDash val="solid"/>
+          <a:miter lim="800000"/>
+        </a:ln>
+        <a:ln w="12700" cap="flat" cmpd="sng" algn="ctr">
+          <a:solidFill>
+            <a:schemeClr val="phClr"/>
+          </a:solidFill>
+          <a:prstDash val="solid"/>
+          <a:miter lim="800000"/>
+        </a:ln>
+        <a:ln w="19050" cap="flat" cmpd="sng" algn="ctr">
+          <a:solidFill>
+            <a:schemeClr val="phClr"/>
+          </a:solidFill>
+          <a:prstDash val="solid"/>
+          <a:miter lim="800000"/>
+        </a:ln>
+      </a:lnStyleLst>
+      <a:effectStyleLst>
+        <a:effectStyle>
+          <a:effectLst/>
+        </a:effectStyle>
+        <a:effectStyle>
+          <a:effectLst/>
+        </a:effectStyle>
+        <a:effectStyle>
+          <a:effectLst>
+            <a:outerShdw blurRad="57150" dist="19050" dir="5400000" algn="ctr" rotWithShape="0">
+              <a:srgbClr val="000000">
+                <a:alpha val="63000"/>
+              </a:srgbClr>
+            </a:outerShdw>
+          </a:effectLst>
+        </a:effectStyle>
+      </a:effectStyleLst>
+      <a:bgFillStyleLst>
+        <a:solidFill>
+          <a:schemeClr val="phClr"/>
+        </a:solidFill>
+        <a:solidFill>
+          <a:schemeClr val="phClr">
+            <a:tint val="95000"/>
+            <a:satMod val="170000"/>
+          </a:schemeClr>
+        </a:solidFill>
+        <a:gradFill rotWithShape="1">
+          <a:gsLst>
+            <a:gs pos="0">
+              <a:schemeClr val="phClr">
+                <a:tint val="93000"/>
+                <a:satMod val="150000"/>
+                <a:shade val="98000"/>
+                <a:lumMod val="102000"/>
+              </a:schemeClr>
+            </a:gs>
+            <a:gs pos="50000">
+              <a:schemeClr val="phClr">
+                <a:tint val="98000"/>
+                <a:satMod val="130000"/>
+                <a:shade val="90000"/>
+                <a:lumMod val="103000"/>
+              </a:schemeClr>
+            </a:gs>
+            <a:gs pos="100000">
+              <a:schemeClr val="phClr">
+                <a:shade val="63000"/>
+                <a:satMod val="120000"/>
+              </a:schemeClr>
+            </a:gs>
+          </a:gsLst>
+          <a:lin ang="5400000" scaled="0"/>
+        </a:gradFill>
+      </a:bgFillStyleLst>
+    </a:fmtScheme>
+  </a:themeElements>
+  <a:objectDefaults/>
+  <a:extraClrSchemeLst/>
+  <a:extLst>
+    <a:ext uri="{05A4C25C-085E-4340-85A3-A5531E510DB2}">
+      <thm15:themeFamily xmlns:thm15="http://schemas.microsoft.com/office/thememl/2012/main" name="Office Theme" id="{62F939B6-93AF-4DB8-9C6B-D6C7DFDC589F}" vid="{4A3C46E8-61CC-4603-A589-7422A47A8E4A}"/>
+    </a:ext>
+  </a:extLst>
+</a:theme>
+</file>
+
+<file path=ppt/theme/theme2.xml><?xml version="1.0" encoding="utf-8"?>
 <a:theme xmlns:a="http://schemas.openxmlformats.org/drawingml/2006/main" name="Office 主题​​">
   <a:themeElements>
     <a:clrScheme name="Office">
@@ -861,4 +1208,265 @@
     </a:ext>
   </a:extLst>
 </a:theme>
+</file>
+
+<file path=ppt/theme/theme3.xml><?xml version="1.0" encoding="utf-8"?>
+<a:theme xmlns:a="http://schemas.openxmlformats.org/drawingml/2006/main" name="Office 主题​​">
+  <a:themeElements>
+    <a:clrScheme name="Office">
+      <a:dk1>
+        <a:sysClr val="windowText" lastClr="000000"/>
+      </a:dk1>
+      <a:lt1>
+        <a:sysClr val="window" lastClr="FFFFFF"/>
+      </a:lt1>
+      <a:dk2>
+        <a:srgbClr val="44546A"/>
+      </a:dk2>
+      <a:lt2>
+        <a:srgbClr val="E7E6E6"/>
+      </a:lt2>
+      <a:accent1>
+        <a:srgbClr val="5B9BD5"/>
+      </a:accent1>
+      <a:accent2>
+        <a:srgbClr val="ED7D31"/>
+      </a:accent2>
+      <a:accent3>
+        <a:srgbClr val="A5A5A5"/>
+      </a:accent3>
+      <a:accent4>
+        <a:srgbClr val="FFC000"/>
+      </a:accent4>
+      <a:accent5>
+        <a:srgbClr val="4472C4"/>
+      </a:accent5>
+      <a:accent6>
+        <a:srgbClr val="70AD47"/>
+      </a:accent6>
+      <a:hlink>
+        <a:srgbClr val="0563C1"/>
+      </a:hlink>
+      <a:folHlink>
+        <a:srgbClr val="954F72"/>
+      </a:folHlink>
+    </a:clrScheme>
+    <a:fontScheme name="Office">
+      <a:majorFont>
+        <a:latin typeface="等线 Light" panose="020F0302020204030204"/>
+        <a:ea typeface=""/>
+        <a:cs typeface=""/>
+        <a:font script="Jpan" typeface="游ゴシック Light"/>
+        <a:font script="Hang" typeface="맑은 고딕"/>
+        <a:font script="Hans" typeface="等线 Light"/>
+        <a:font script="Hant" typeface="新細明體"/>
+        <a:font script="Arab" typeface="Times New Roman"/>
+        <a:font script="Hebr" typeface="Times New Roman"/>
+        <a:font script="Thai" typeface="Angsana New"/>
+        <a:font script="Ethi" typeface="Nyala"/>
+        <a:font script="Beng" typeface="Vrinda"/>
+        <a:font script="Gujr" typeface="Shruti"/>
+        <a:font script="Khmr" typeface="MoolBoran"/>
+        <a:font script="Knda" typeface="Tunga"/>
+        <a:font script="Guru" typeface="Raavi"/>
+        <a:font script="Cans" typeface="Euphemia"/>
+        <a:font script="Cher" typeface="Plantagenet Cherokee"/>
+        <a:font script="Yiii" typeface="Microsoft Yi Baiti"/>
+        <a:font script="Tibt" typeface="Microsoft Himalaya"/>
+        <a:font script="Thaa" typeface="MV Boli"/>
+        <a:font script="Deva" typeface="Mangal"/>
+        <a:font script="Telu" typeface="Gautami"/>
+        <a:font script="Taml" typeface="Latha"/>
+        <a:font script="Syrc" typeface="Estrangelo Edessa"/>
+        <a:font script="Orya" typeface="Kalinga"/>
+        <a:font script="Mlym" typeface="Kartika"/>
+        <a:font script="Laoo" typeface="DokChampa"/>
+        <a:font script="Sinh" typeface="Iskoola Pota"/>
+        <a:font script="Mong" typeface="Mongolian Baiti"/>
+        <a:font script="Viet" typeface="Times New Roman"/>
+        <a:font script="Uigh" typeface="Microsoft Uighur"/>
+        <a:font script="Geor" typeface="Sylfaen"/>
+      </a:majorFont>
+      <a:minorFont>
+        <a:latin typeface="等线" panose="020F0502020204030204"/>
+        <a:ea typeface=""/>
+        <a:cs typeface=""/>
+        <a:font script="Jpan" typeface="游ゴシック"/>
+        <a:font script="Hang" typeface="맑은 고딕"/>
+        <a:font script="Hans" typeface="等线"/>
+        <a:font script="Hant" typeface="新細明體"/>
+        <a:font script="Arab" typeface="Arial"/>
+        <a:font script="Hebr" typeface="Arial"/>
+        <a:font script="Thai" typeface="Cordia New"/>
+        <a:font script="Ethi" typeface="Nyala"/>
+        <a:font script="Beng" typeface="Vrinda"/>
+        <a:font script="Gujr" typeface="Shruti"/>
+        <a:font script="Khmr" typeface="DaunPenh"/>
+        <a:font script="Knda" typeface="Tunga"/>
+        <a:font script="Guru" typeface="Raavi"/>
+        <a:font script="Cans" typeface="Euphemia"/>
+        <a:font script="Cher" typeface="Plantagenet Cherokee"/>
+        <a:font script="Yiii" typeface="Microsoft Yi Baiti"/>
+        <a:font script="Tibt" typeface="Microsoft Himalaya"/>
+        <a:font script="Thaa" typeface="MV Boli"/>
+        <a:font script="Deva" typeface="Mangal"/>
+        <a:font script="Telu" typeface="Gautami"/>
+        <a:font script="Taml" typeface="Latha"/>
+        <a:font script="Syrc" typeface="Estrangelo Edessa"/>
+        <a:font script="Orya" typeface="Kalinga"/>
+        <a:font script="Mlym" typeface="Kartika"/>
+        <a:font script="Laoo" typeface="DokChampa"/>
+        <a:font script="Sinh" typeface="Iskoola Pota"/>
+        <a:font script="Mong" typeface="Mongolian Baiti"/>
+        <a:font script="Viet" typeface="Arial"/>
+        <a:font script="Uigh" typeface="Microsoft Uighur"/>
+        <a:font script="Geor" typeface="Sylfaen"/>
+      </a:minorFont>
+    </a:fontScheme>
+    <a:fmtScheme name="Office">
+      <a:fillStyleLst>
+        <a:solidFill>
+          <a:schemeClr val="phClr"/>
+        </a:solidFill>
+        <a:gradFill rotWithShape="1">
+          <a:gsLst>
+            <a:gs pos="0">
+              <a:schemeClr val="phClr">
+                <a:lumMod val="110000"/>
+                <a:satMod val="105000"/>
+                <a:tint val="67000"/>
+              </a:schemeClr>
+            </a:gs>
+            <a:gs pos="50000">
+              <a:schemeClr val="phClr">
+                <a:lumMod val="105000"/>
+                <a:satMod val="103000"/>
+                <a:tint val="73000"/>
+              </a:schemeClr>
+            </a:gs>
+            <a:gs pos="100000">
+              <a:schemeClr val="phClr">
+                <a:lumMod val="105000"/>
+                <a:satMod val="109000"/>
+                <a:tint val="81000"/>
+              </a:schemeClr>
+            </a:gs>
+          </a:gsLst>
+          <a:lin ang="5400000" scaled="0"/>
+        </a:gradFill>
+        <a:gradFill rotWithShape="1">
+          <a:gsLst>
+            <a:gs pos="0">
+              <a:schemeClr val="phClr">
+                <a:satMod val="103000"/>
+                <a:lumMod val="102000"/>
+                <a:tint val="94000"/>
+              </a:schemeClr>
+            </a:gs>
+            <a:gs pos="50000">
+              <a:schemeClr val="phClr">
+                <a:satMod val="110000"/>
+                <a:lumMod val="100000"/>
+                <a:shade val="100000"/>
+              </a:schemeClr>
+            </a:gs>
+            <a:gs pos="100000">
+              <a:schemeClr val="phClr">
+                <a:lumMod val="99000"/>
+                <a:satMod val="120000"/>
+                <a:shade val="78000"/>
+              </a:schemeClr>
+            </a:gs>
+          </a:gsLst>
+          <a:lin ang="5400000" scaled="0"/>
+        </a:gradFill>
+      </a:fillStyleLst>
+      <a:lnStyleLst>
+        <a:ln w="6350" cap="flat" cmpd="sng" algn="ctr">
+          <a:solidFill>
+            <a:schemeClr val="phClr"/>
+          </a:solidFill>
+          <a:prstDash val="solid"/>
+          <a:miter lim="800000"/>
+        </a:ln>
+        <a:ln w="12700" cap="flat" cmpd="sng" algn="ctr">
+          <a:solidFill>
+            <a:schemeClr val="phClr"/>
+          </a:solidFill>
+          <a:prstDash val="solid"/>
+          <a:miter lim="800000"/>
+        </a:ln>
+        <a:ln w="19050" cap="flat" cmpd="sng" algn="ctr">
+          <a:solidFill>
+            <a:schemeClr val="phClr"/>
+          </a:solidFill>
+          <a:prstDash val="solid"/>
+          <a:miter lim="800000"/>
+        </a:ln>
+      </a:lnStyleLst>
+      <a:effectStyleLst>
+        <a:effectStyle>
+          <a:effectLst/>
+        </a:effectStyle>
+        <a:effectStyle>
+          <a:effectLst/>
+        </a:effectStyle>
+        <a:effectStyle>
+          <a:effectLst>
+            <a:outerShdw blurRad="57150" dist="19050" dir="5400000" algn="ctr" rotWithShape="0">
+              <a:srgbClr val="000000">
+                <a:alpha val="63000"/>
+              </a:srgbClr>
+            </a:outerShdw>
+          </a:effectLst>
+        </a:effectStyle>
+      </a:effectStyleLst>
+      <a:bgFillStyleLst>
+        <a:solidFill>
+          <a:schemeClr val="phClr"/>
+        </a:solidFill>
+        <a:solidFill>
+          <a:schemeClr val="phClr">
+            <a:tint val="95000"/>
+            <a:satMod val="170000"/>
+          </a:schemeClr>
+        </a:solidFill>
+        <a:gradFill rotWithShape="1">
+          <a:gsLst>
+            <a:gs pos="0">
+              <a:schemeClr val="phClr">
+                <a:tint val="93000"/>
+                <a:satMod val="150000"/>
+                <a:shade val="98000"/>
+                <a:lumMod val="102000"/>
+              </a:schemeClr>
+            </a:gs>
+            <a:gs pos="50000">
+              <a:schemeClr val="phClr">
+                <a:tint val="98000"/>
+                <a:satMod val="130000"/>
+                <a:shade val="90000"/>
+                <a:lumMod val="103000"/>
+              </a:schemeClr>
+            </a:gs>
+            <a:gs pos="100000">
+              <a:schemeClr val="phClr">
+                <a:shade val="63000"/>
+                <a:satMod val="120000"/>
+              </a:schemeClr>
+            </a:gs>
+          </a:gsLst>
+          <a:lin ang="5400000" scaled="0"/>
+        </a:gradFill>
+      </a:bgFillStyleLst>
+    </a:fmtScheme>
+  </a:themeElements>
+  <a:objectDefaults/>
+  <a:extraClrSchemeLst/>
+  <a:extLst>
+    <a:ext uri="{05A4C25C-085E-4340-85A3-A5531E510DB2}">
+      <thm15:themeFamily xmlns:thm15="http://schemas.microsoft.com/office/thememl/2012/main" name="Office Theme" id="{62F939B6-93AF-4DB8-9C6B-D6C7DFDC589F}" vid="{4A3C46E8-61CC-4603-A589-7422A47A8E4A}"/>
+    </a:ext>
+  </a:extLst>
+</a:theme>
 </file>
--- a/Pptx/Test.pptx
+++ b/Pptx/Test.pptx
@@ -648,7 +648,7 @@
         <p:spPr>
           <a:xfrm>
             <a:off x="4168346" y="914401"/>
-            <a:ext cx="30480000" cy="3170099"/>
+            <a:ext cx="6096000" cy="3170090"/>
           </a:xfrm>
           <a:prstGeom prst="rect">
             <a:avLst/>
@@ -657,17 +657,12 @@
         </p:spPr>
         <p:txBody>
           <a:bodyPr wrap="square" rtlCol="0">
-            <a:spAutoFit/>
+            <a:normAutofit fontScale="60000"/>
           </a:bodyPr>
           <a:lstStyle/>
           <a:p>
             <a:r>
               <a:rPr lang="zh-CN" altLang="en-US" sz="10000">
-                <a:ln w="9525">
-                  <a:solidFill>
-                    <a:srgbClr val="00FF00"/>
-                  </a:solidFill>
-                </a:ln>
               </a:rPr>
               <a:t>一行文本</a:t>
             </a:r>

--- a/Pptx/Test.pptx
+++ b/Pptx/Test.pptx
@@ -127,7 +127,6 @@
   </mc:AlternateContent>
   <c:chart>
     <c:title>
-      <c:layout/>
       <c:overlay val="0"/>
       <c:spPr>
         <a:noFill/>
@@ -187,27 +186,28 @@
             <a:effectLst/>
           </c:spPr>
           <c:cat>
-            <c:strRef>
+            <c:numRef>
               <c:f>Sheet1!$A$2:$A$6</c:f>
-              <c:strCache>
+              <c:numCache>
+                <c:formatCode>m/d/yyyy</c:formatCode>
                 <c:ptCount val="5"/>
                 <c:pt idx="0">
-                  <c:v>A</c:v>
+                  <c:v>37261</c:v>
                 </c:pt>
                 <c:pt idx="1">
-                  <c:v>B</c:v>
+                  <c:v>37262</c:v>
                 </c:pt>
                 <c:pt idx="2">
-                  <c:v>C</c:v>
+                  <c:v>37263</c:v>
                 </c:pt>
                 <c:pt idx="3">
-                  <c:v>D</c:v>
+                  <c:v>37264</c:v>
                 </c:pt>
                 <c:pt idx="4">
-                  <c:v>E</c:v>
-                </c:pt>
-              </c:strCache>
-            </c:strRef>
+                  <c:v>37265</c:v>
+                </c:pt>
+              </c:numCache>
+            </c:numRef>
           </c:cat>
           <c:val>
             <c:numRef>
@@ -255,7 +255,7 @@
           </c:tx>
           <c:spPr>
             <a:solidFill>
-              <a:srgbClr val="FFF000"/>
+              <a:schemeClr val="accent2"/>
             </a:solidFill>
             <a:ln>
               <a:noFill/>
@@ -263,27 +263,28 @@
             <a:effectLst/>
           </c:spPr>
           <c:cat>
-            <c:strRef>
+            <c:numRef>
               <c:f>Sheet1!$A$2:$A$6</c:f>
-              <c:strCache>
+              <c:numCache>
+                <c:formatCode>m/d/yyyy</c:formatCode>
                 <c:ptCount val="5"/>
                 <c:pt idx="0">
-                  <c:v>A</c:v>
+                  <c:v>37261</c:v>
                 </c:pt>
                 <c:pt idx="1">
-                  <c:v>B</c:v>
+                  <c:v>37262</c:v>
                 </c:pt>
                 <c:pt idx="2">
-                  <c:v>C</c:v>
+                  <c:v>37263</c:v>
                 </c:pt>
                 <c:pt idx="3">
-                  <c:v>D</c:v>
+                  <c:v>37264</c:v>
                 </c:pt>
                 <c:pt idx="4">
-                  <c:v>E</c:v>
-                </c:pt>
-              </c:strCache>
-            </c:strRef>
+                  <c:v>37265</c:v>
+                </c:pt>
+              </c:numCache>
+            </c:numRef>
           </c:cat>
           <c:val>
             <c:numRef>
@@ -326,14 +327,14 @@
         <c:axId val="1995335087"/>
         <c:axId val="1995335919"/>
       </c:areaChart>
-      <c:catAx>
+      <c:dateAx>
         <c:axId val="1995335087"/>
         <c:scaling>
           <c:orientation val="minMax"/>
         </c:scaling>
         <c:delete val="0"/>
         <c:axPos val="b"/>
-        <c:numFmt formatCode="m/d/yyyy" sourceLinked="0"/>
+        <c:numFmt formatCode="m/d/yyyy" sourceLinked="1"/>
         <c:majorTickMark val="out"/>
         <c:minorTickMark val="none"/>
         <c:tickLblPos val="nextTo"/>
@@ -374,12 +375,10 @@
         </c:txPr>
         <c:crossAx val="1995335919"/>
         <c:crosses val="autoZero"/>
-        <c:auto val="0"/>
-        <c:lblAlgn val="ctr"/>
+        <c:auto val="1"/>
         <c:lblOffset val="100"/>
-        <c:tickLblSkip val="1"/>
-        <c:noMultiLvlLbl val="1"/>
-      </c:catAx>
+        <c:baseTimeUnit val="days"/>
+      </c:dateAx>
       <c:valAx>
         <c:axId val="1995335919"/>
         <c:scaling>
@@ -433,7 +432,7 @@
           </a:p>
         </c:txPr>
         <c:crossAx val="1995335087"/>
-        <c:crossesAt val="1"/>
+        <c:crosses val="autoZero"/>
         <c:crossBetween val="midCat"/>
       </c:valAx>
       <c:spPr>
@@ -446,7 +445,6 @@
     </c:plotArea>
     <c:legend>
       <c:legendPos val="b"/>
-      <c:layout/>
       <c:overlay val="0"/>
       <c:spPr>
         <a:noFill/>
@@ -478,7 +476,6 @@
     </c:legend>
     <c:plotVisOnly val="1"/>
     <c:dispBlanksAs val="zero"/>
-    <c:showDLblsOverMax val="0"/>
     <c:extLst>
       <c:ext xmlns:c16r3="http://schemas.microsoft.com/office/drawing/2017/03/chart" uri="{56B9EC1D-385E-4148-901F-78D8002777C0}">
         <c16r3:dataDisplayOptions16>
@@ -486,6 +483,7 @@
         </c16r3:dataDisplayOptions16>
       </c:ext>
     </c:extLst>
+    <c:showDLblsOverMax val="0"/>
   </c:chart>
   <c:spPr>
     <a:noFill/>
@@ -1447,7 +1445,7 @@
           <p:nvPr>
             <p:extLst>
               <p:ext uri="{D42A27DB-BD31-4B8C-83A1-F6EECF244321}">
-                <p14:modId xmlns:p14="http://schemas.microsoft.com/office/powerpoint/2010/main" val="3199158046"/>
+                <p14:modId xmlns:p14="http://schemas.microsoft.com/office/powerpoint/2010/main" val="682165402"/>
               </p:ext>
             </p:extLst>
           </p:nvPr>

--- a/Pptx/Test.pptx
+++ b/Pptx/Test.pptx
@@ -255,7 +255,7 @@
           </c:tx>
           <c:spPr>
             <a:solidFill>
-              <a:schemeClr val="accent2"/>
+              <a:srgbClr val="ED7D3A"/>
             </a:solidFill>
             <a:ln>
               <a:noFill/>
